--- a/Terraform showcase - Ahmed Elsayed.pptx
+++ b/Terraform showcase - Ahmed Elsayed.pptx
@@ -8,10 +8,10 @@
     <p:sldMasterId id="2147483885" r:id="rId7"/>
   </p:sldMasterIdLst>
   <p:notesMasterIdLst>
-    <p:notesMasterId r:id="rId29"/>
+    <p:notesMasterId r:id="rId32"/>
   </p:notesMasterIdLst>
   <p:handoutMasterIdLst>
-    <p:handoutMasterId r:id="rId30"/>
+    <p:handoutMasterId r:id="rId33"/>
   </p:handoutMasterIdLst>
   <p:sldIdLst>
     <p:sldId id="330" r:id="rId8"/>
@@ -28,13 +28,16 @@
     <p:sldId id="778" r:id="rId19"/>
     <p:sldId id="779" r:id="rId20"/>
     <p:sldId id="776" r:id="rId21"/>
-    <p:sldId id="780" r:id="rId22"/>
-    <p:sldId id="781" r:id="rId23"/>
-    <p:sldId id="782" r:id="rId24"/>
-    <p:sldId id="783" r:id="rId25"/>
-    <p:sldId id="784" r:id="rId26"/>
-    <p:sldId id="785" r:id="rId27"/>
-    <p:sldId id="786" r:id="rId28"/>
+    <p:sldId id="786" r:id="rId22"/>
+    <p:sldId id="780" r:id="rId23"/>
+    <p:sldId id="781" r:id="rId24"/>
+    <p:sldId id="782" r:id="rId25"/>
+    <p:sldId id="783" r:id="rId26"/>
+    <p:sldId id="787" r:id="rId27"/>
+    <p:sldId id="784" r:id="rId28"/>
+    <p:sldId id="785" r:id="rId29"/>
+    <p:sldId id="788" r:id="rId30"/>
+    <p:sldId id="789" r:id="rId31"/>
   </p:sldIdLst>
   <p:sldSz cx="12188825" cy="6858000"/>
   <p:notesSz cx="7023100" cy="9309100"/>
@@ -152,13 +155,16 @@
             <p14:sldId id="778"/>
             <p14:sldId id="779"/>
             <p14:sldId id="776"/>
+            <p14:sldId id="786"/>
             <p14:sldId id="780"/>
             <p14:sldId id="781"/>
             <p14:sldId id="782"/>
             <p14:sldId id="783"/>
+            <p14:sldId id="787"/>
             <p14:sldId id="784"/>
             <p14:sldId id="785"/>
-            <p14:sldId id="786"/>
+            <p14:sldId id="788"/>
+            <p14:sldId id="789"/>
           </p14:sldIdLst>
         </p14:section>
       </p14:sectionLst>
@@ -339,7 +345,7 @@
               <a:rPr lang="en-US" smtClean="0">
                 <a:latin typeface="Segoe UI" pitchFamily="34" charset="0"/>
               </a:rPr>
-              <a:t>2/4/2019</a:t>
+              <a:t>2/13/2019</a:t>
             </a:fld>
             <a:endParaRPr lang="en-US" dirty="0">
               <a:latin typeface="Segoe UI" pitchFamily="34" charset="0"/>
@@ -520,7 +526,7 @@
             <a:fld id="{CAE3F082-F902-42D8-A765-720E172C3194}" type="datetimeFigureOut">
               <a:rPr lang="en-US" smtClean="0"/>
               <a:pPr/>
-              <a:t>2/4/2019</a:t>
+              <a:t>2/13/2019</a:t>
             </a:fld>
             <a:endParaRPr lang="en-US" dirty="0"/>
           </a:p>
@@ -1406,61 +1412,7 @@
           <a:bodyPr/>
           <a:lstStyle/>
           <a:p>
-            <a:pPr marL="285750" indent="-285750">
-              <a:buFontTx/>
-              <a:buChar char="-"/>
-            </a:pPr>
-            <a:r>
-              <a:rPr lang="en-US" dirty="0"/>
-              <a:t>Show them a demo</a:t>
-            </a:r>
-          </a:p>
-          <a:p>
-            <a:pPr marL="285750" indent="-285750">
-              <a:buFontTx/>
-              <a:buChar char="-"/>
-            </a:pPr>
-            <a:r>
-              <a:rPr lang="en-US" dirty="0"/>
-              <a:t>Show how can you read from var</a:t>
-            </a:r>
-          </a:p>
-          <a:p>
-            <a:pPr marL="285750" indent="-285750">
-              <a:buFontTx/>
-              <a:buChar char="-"/>
-            </a:pPr>
-            <a:r>
-              <a:rPr lang="en-US" dirty="0"/>
-              <a:t>Show how can you associate to another resource.</a:t>
-            </a:r>
-          </a:p>
-          <a:p>
-            <a:pPr marL="285750" indent="-285750">
-              <a:buFontTx/>
-              <a:buChar char="-"/>
-            </a:pPr>
-            <a:r>
-              <a:rPr lang="en-US" dirty="0"/>
-              <a:t>Show them how to google any resource type</a:t>
-            </a:r>
-          </a:p>
-          <a:p>
-            <a:pPr marL="285750" indent="-285750">
-              <a:buFontTx/>
-              <a:buChar char="-"/>
-            </a:pPr>
             <a:endParaRPr lang="en-US" dirty="0"/>
-          </a:p>
-          <a:p>
-            <a:pPr marL="285750" indent="-285750">
-              <a:buFontTx/>
-              <a:buChar char="-"/>
-            </a:pPr>
-            <a:r>
-              <a:rPr lang="en-US" dirty="0"/>
-              <a:t>Talk about VS code</a:t>
-            </a:r>
           </a:p>
         </p:txBody>
       </p:sp>
@@ -1491,7 +1443,7 @@
     </p:spTree>
     <p:extLst>
       <p:ext uri="{BB962C8B-B14F-4D97-AF65-F5344CB8AC3E}">
-        <p14:creationId xmlns:p14="http://schemas.microsoft.com/office/powerpoint/2010/main" val="3659783202"/>
+        <p14:creationId xmlns:p14="http://schemas.microsoft.com/office/powerpoint/2010/main" val="1619669613"/>
       </p:ext>
     </p:extLst>
   </p:cSld>
@@ -1630,7 +1582,7 @@
     </p:spTree>
     <p:extLst>
       <p:ext uri="{BB962C8B-B14F-4D97-AF65-F5344CB8AC3E}">
-        <p14:creationId xmlns:p14="http://schemas.microsoft.com/office/powerpoint/2010/main" val="2909577653"/>
+        <p14:creationId xmlns:p14="http://schemas.microsoft.com/office/powerpoint/2010/main" val="3659783202"/>
       </p:ext>
     </p:extLst>
   </p:cSld>
@@ -1769,7 +1721,7 @@
     </p:spTree>
     <p:extLst>
       <p:ext uri="{BB962C8B-B14F-4D97-AF65-F5344CB8AC3E}">
-        <p14:creationId xmlns:p14="http://schemas.microsoft.com/office/powerpoint/2010/main" val="3495995601"/>
+        <p14:creationId xmlns:p14="http://schemas.microsoft.com/office/powerpoint/2010/main" val="2909577653"/>
       </p:ext>
     </p:extLst>
   </p:cSld>
@@ -1908,7 +1860,7 @@
     </p:spTree>
     <p:extLst>
       <p:ext uri="{BB962C8B-B14F-4D97-AF65-F5344CB8AC3E}">
-        <p14:creationId xmlns:p14="http://schemas.microsoft.com/office/powerpoint/2010/main" val="1010660650"/>
+        <p14:creationId xmlns:p14="http://schemas.microsoft.com/office/powerpoint/2010/main" val="3495995601"/>
       </p:ext>
     </p:extLst>
   </p:cSld>
@@ -1962,7 +1914,61 @@
           <a:bodyPr/>
           <a:lstStyle/>
           <a:p>
+            <a:pPr marL="285750" indent="-285750">
+              <a:buFontTx/>
+              <a:buChar char="-"/>
+            </a:pPr>
+            <a:r>
+              <a:rPr lang="en-US" dirty="0"/>
+              <a:t>Show them a demo</a:t>
+            </a:r>
+          </a:p>
+          <a:p>
+            <a:pPr marL="285750" indent="-285750">
+              <a:buFontTx/>
+              <a:buChar char="-"/>
+            </a:pPr>
+            <a:r>
+              <a:rPr lang="en-US" dirty="0"/>
+              <a:t>Show how can you read from var</a:t>
+            </a:r>
+          </a:p>
+          <a:p>
+            <a:pPr marL="285750" indent="-285750">
+              <a:buFontTx/>
+              <a:buChar char="-"/>
+            </a:pPr>
+            <a:r>
+              <a:rPr lang="en-US" dirty="0"/>
+              <a:t>Show how can you associate to another resource.</a:t>
+            </a:r>
+          </a:p>
+          <a:p>
+            <a:pPr marL="285750" indent="-285750">
+              <a:buFontTx/>
+              <a:buChar char="-"/>
+            </a:pPr>
+            <a:r>
+              <a:rPr lang="en-US" dirty="0"/>
+              <a:t>Show them how to google any resource type</a:t>
+            </a:r>
+          </a:p>
+          <a:p>
+            <a:pPr marL="285750" indent="-285750">
+              <a:buFontTx/>
+              <a:buChar char="-"/>
+            </a:pPr>
             <a:endParaRPr lang="en-US" dirty="0"/>
+          </a:p>
+          <a:p>
+            <a:pPr marL="285750" indent="-285750">
+              <a:buFontTx/>
+              <a:buChar char="-"/>
+            </a:pPr>
+            <a:r>
+              <a:rPr lang="en-US" dirty="0"/>
+              <a:t>Talk about VS code</a:t>
+            </a:r>
           </a:p>
         </p:txBody>
       </p:sp>
@@ -1993,7 +1999,7 @@
     </p:spTree>
     <p:extLst>
       <p:ext uri="{BB962C8B-B14F-4D97-AF65-F5344CB8AC3E}">
-        <p14:creationId xmlns:p14="http://schemas.microsoft.com/office/powerpoint/2010/main" val="2707623281"/>
+        <p14:creationId xmlns:p14="http://schemas.microsoft.com/office/powerpoint/2010/main" val="1010660650"/>
       </p:ext>
     </p:extLst>
   </p:cSld>
@@ -2132,61 +2138,7 @@
           <a:bodyPr/>
           <a:lstStyle/>
           <a:p>
-            <a:pPr marL="285750" indent="-285750">
-              <a:buFontTx/>
-              <a:buChar char="-"/>
-            </a:pPr>
-            <a:r>
-              <a:rPr lang="en-US" dirty="0"/>
-              <a:t>Show them a demo</a:t>
-            </a:r>
-          </a:p>
-          <a:p>
-            <a:pPr marL="285750" indent="-285750">
-              <a:buFontTx/>
-              <a:buChar char="-"/>
-            </a:pPr>
-            <a:r>
-              <a:rPr lang="en-US" dirty="0"/>
-              <a:t>Show how can you read from var</a:t>
-            </a:r>
-          </a:p>
-          <a:p>
-            <a:pPr marL="285750" indent="-285750">
-              <a:buFontTx/>
-              <a:buChar char="-"/>
-            </a:pPr>
-            <a:r>
-              <a:rPr lang="en-US" dirty="0"/>
-              <a:t>Show how can you associate to another resource.</a:t>
-            </a:r>
-          </a:p>
-          <a:p>
-            <a:pPr marL="285750" indent="-285750">
-              <a:buFontTx/>
-              <a:buChar char="-"/>
-            </a:pPr>
-            <a:r>
-              <a:rPr lang="en-US" dirty="0"/>
-              <a:t>Show them how to google any resource type</a:t>
-            </a:r>
-          </a:p>
-          <a:p>
-            <a:pPr marL="285750" indent="-285750">
-              <a:buFontTx/>
-              <a:buChar char="-"/>
-            </a:pPr>
             <a:endParaRPr lang="en-US" dirty="0"/>
-          </a:p>
-          <a:p>
-            <a:pPr marL="285750" indent="-285750">
-              <a:buFontTx/>
-              <a:buChar char="-"/>
-            </a:pPr>
-            <a:r>
-              <a:rPr lang="en-US" dirty="0"/>
-              <a:t>Talk about VS code</a:t>
-            </a:r>
           </a:p>
         </p:txBody>
       </p:sp>
@@ -2217,7 +2169,7 @@
     </p:spTree>
     <p:extLst>
       <p:ext uri="{BB962C8B-B14F-4D97-AF65-F5344CB8AC3E}">
-        <p14:creationId xmlns:p14="http://schemas.microsoft.com/office/powerpoint/2010/main" val="3648826936"/>
+        <p14:creationId xmlns:p14="http://schemas.microsoft.com/office/powerpoint/2010/main" val="493345220"/>
       </p:ext>
     </p:extLst>
   </p:cSld>
@@ -2271,61 +2223,7 @@
           <a:bodyPr/>
           <a:lstStyle/>
           <a:p>
-            <a:pPr marL="285750" indent="-285750">
-              <a:buFontTx/>
-              <a:buChar char="-"/>
-            </a:pPr>
-            <a:r>
-              <a:rPr lang="en-US" dirty="0"/>
-              <a:t>Show them a demo</a:t>
-            </a:r>
-          </a:p>
-          <a:p>
-            <a:pPr marL="285750" indent="-285750">
-              <a:buFontTx/>
-              <a:buChar char="-"/>
-            </a:pPr>
-            <a:r>
-              <a:rPr lang="en-US" dirty="0"/>
-              <a:t>Show how can you read from var</a:t>
-            </a:r>
-          </a:p>
-          <a:p>
-            <a:pPr marL="285750" indent="-285750">
-              <a:buFontTx/>
-              <a:buChar char="-"/>
-            </a:pPr>
-            <a:r>
-              <a:rPr lang="en-US" dirty="0"/>
-              <a:t>Show how can you associate to another resource.</a:t>
-            </a:r>
-          </a:p>
-          <a:p>
-            <a:pPr marL="285750" indent="-285750">
-              <a:buFontTx/>
-              <a:buChar char="-"/>
-            </a:pPr>
-            <a:r>
-              <a:rPr lang="en-US" dirty="0"/>
-              <a:t>Show them how to google any resource type</a:t>
-            </a:r>
-          </a:p>
-          <a:p>
-            <a:pPr marL="285750" indent="-285750">
-              <a:buFontTx/>
-              <a:buChar char="-"/>
-            </a:pPr>
             <a:endParaRPr lang="en-US" dirty="0"/>
-          </a:p>
-          <a:p>
-            <a:pPr marL="285750" indent="-285750">
-              <a:buFontTx/>
-              <a:buChar char="-"/>
-            </a:pPr>
-            <a:r>
-              <a:rPr lang="en-US" dirty="0"/>
-              <a:t>Talk about VS code</a:t>
-            </a:r>
           </a:p>
         </p:txBody>
       </p:sp>
@@ -2356,7 +2254,370 @@
     </p:spTree>
     <p:extLst>
       <p:ext uri="{BB962C8B-B14F-4D97-AF65-F5344CB8AC3E}">
-        <p14:creationId xmlns:p14="http://schemas.microsoft.com/office/powerpoint/2010/main" val="2271819449"/>
+        <p14:creationId xmlns:p14="http://schemas.microsoft.com/office/powerpoint/2010/main" val="2707623281"/>
+      </p:ext>
+    </p:extLst>
+  </p:cSld>
+  <p:clrMapOvr>
+    <a:masterClrMapping/>
+  </p:clrMapOvr>
+</p:notes>
+</file>
+
+<file path=ppt/notesSlides/notesSlide22.xml><?xml version="1.0" encoding="utf-8"?>
+<p:notes xmlns:a="http://schemas.openxmlformats.org/drawingml/2006/main" xmlns:r="http://schemas.openxmlformats.org/officeDocument/2006/relationships" xmlns:p="http://schemas.openxmlformats.org/presentationml/2006/main">
+  <p:cSld>
+    <p:spTree>
+      <p:nvGrpSpPr>
+        <p:cNvPr id="1" name=""/>
+        <p:cNvGrpSpPr/>
+        <p:nvPr/>
+      </p:nvGrpSpPr>
+      <p:grpSpPr>
+        <a:xfrm>
+          <a:off x="0" y="0"/>
+          <a:ext cx="0" cy="0"/>
+          <a:chOff x="0" y="0"/>
+          <a:chExt cx="0" cy="0"/>
+        </a:xfrm>
+      </p:grpSpPr>
+      <p:sp>
+        <p:nvSpPr>
+          <p:cNvPr id="2" name="Slide Image Placeholder 1"/>
+          <p:cNvSpPr>
+            <a:spLocks noGrp="1" noRot="1" noChangeAspect="1"/>
+          </p:cNvSpPr>
+          <p:nvPr>
+            <p:ph type="sldImg"/>
+          </p:nvPr>
+        </p:nvSpPr>
+        <p:spPr/>
+      </p:sp>
+      <p:sp>
+        <p:nvSpPr>
+          <p:cNvPr id="3" name="Notes Placeholder 2"/>
+          <p:cNvSpPr>
+            <a:spLocks noGrp="1"/>
+          </p:cNvSpPr>
+          <p:nvPr>
+            <p:ph type="body" idx="1"/>
+          </p:nvPr>
+        </p:nvSpPr>
+        <p:spPr/>
+        <p:txBody>
+          <a:bodyPr/>
+          <a:lstStyle/>
+          <a:p>
+            <a:pPr marL="285750" indent="-285750">
+              <a:buFontTx/>
+              <a:buChar char="-"/>
+            </a:pPr>
+            <a:r>
+              <a:rPr lang="en-US" dirty="0"/>
+              <a:t>Show them a demo</a:t>
+            </a:r>
+          </a:p>
+          <a:p>
+            <a:pPr marL="285750" indent="-285750">
+              <a:buFontTx/>
+              <a:buChar char="-"/>
+            </a:pPr>
+            <a:r>
+              <a:rPr lang="en-US" dirty="0"/>
+              <a:t>Show how can you read from var</a:t>
+            </a:r>
+          </a:p>
+          <a:p>
+            <a:pPr marL="285750" indent="-285750">
+              <a:buFontTx/>
+              <a:buChar char="-"/>
+            </a:pPr>
+            <a:r>
+              <a:rPr lang="en-US" dirty="0"/>
+              <a:t>Show how can you associate to another resource.</a:t>
+            </a:r>
+          </a:p>
+          <a:p>
+            <a:pPr marL="285750" indent="-285750">
+              <a:buFontTx/>
+              <a:buChar char="-"/>
+            </a:pPr>
+            <a:r>
+              <a:rPr lang="en-US" dirty="0"/>
+              <a:t>Show them how to google any resource type</a:t>
+            </a:r>
+          </a:p>
+          <a:p>
+            <a:pPr marL="285750" indent="-285750">
+              <a:buFontTx/>
+              <a:buChar char="-"/>
+            </a:pPr>
+            <a:endParaRPr lang="en-US" dirty="0"/>
+          </a:p>
+          <a:p>
+            <a:pPr marL="285750" indent="-285750">
+              <a:buFontTx/>
+              <a:buChar char="-"/>
+            </a:pPr>
+            <a:r>
+              <a:rPr lang="en-US" dirty="0"/>
+              <a:t>Talk about VS code</a:t>
+            </a:r>
+          </a:p>
+        </p:txBody>
+      </p:sp>
+      <p:sp>
+        <p:nvSpPr>
+          <p:cNvPr id="4" name="Slide Number Placeholder 3"/>
+          <p:cNvSpPr>
+            <a:spLocks noGrp="1"/>
+          </p:cNvSpPr>
+          <p:nvPr>
+            <p:ph type="sldNum" sz="quarter" idx="10"/>
+          </p:nvPr>
+        </p:nvSpPr>
+        <p:spPr/>
+        <p:txBody>
+          <a:bodyPr/>
+          <a:lstStyle/>
+          <a:p>
+            <a:fld id="{82AABF77-E2E4-44CA-BA5C-65E132CF08D8}" type="slidenum">
+              <a:rPr lang="en-US" smtClean="0"/>
+              <a:pPr/>
+              <a:t>22</a:t>
+            </a:fld>
+            <a:endParaRPr lang="en-US" dirty="0"/>
+          </a:p>
+        </p:txBody>
+      </p:sp>
+    </p:spTree>
+    <p:extLst>
+      <p:ext uri="{BB962C8B-B14F-4D97-AF65-F5344CB8AC3E}">
+        <p14:creationId xmlns:p14="http://schemas.microsoft.com/office/powerpoint/2010/main" val="3648826936"/>
+      </p:ext>
+    </p:extLst>
+  </p:cSld>
+  <p:clrMapOvr>
+    <a:masterClrMapping/>
+  </p:clrMapOvr>
+</p:notes>
+</file>
+
+<file path=ppt/notesSlides/notesSlide23.xml><?xml version="1.0" encoding="utf-8"?>
+<p:notes xmlns:a="http://schemas.openxmlformats.org/drawingml/2006/main" xmlns:r="http://schemas.openxmlformats.org/officeDocument/2006/relationships" xmlns:p="http://schemas.openxmlformats.org/presentationml/2006/main">
+  <p:cSld>
+    <p:spTree>
+      <p:nvGrpSpPr>
+        <p:cNvPr id="1" name=""/>
+        <p:cNvGrpSpPr/>
+        <p:nvPr/>
+      </p:nvGrpSpPr>
+      <p:grpSpPr>
+        <a:xfrm>
+          <a:off x="0" y="0"/>
+          <a:ext cx="0" cy="0"/>
+          <a:chOff x="0" y="0"/>
+          <a:chExt cx="0" cy="0"/>
+        </a:xfrm>
+      </p:grpSpPr>
+      <p:sp>
+        <p:nvSpPr>
+          <p:cNvPr id="2" name="Slide Image Placeholder 1"/>
+          <p:cNvSpPr>
+            <a:spLocks noGrp="1" noRot="1" noChangeAspect="1"/>
+          </p:cNvSpPr>
+          <p:nvPr>
+            <p:ph type="sldImg"/>
+          </p:nvPr>
+        </p:nvSpPr>
+        <p:spPr/>
+      </p:sp>
+      <p:sp>
+        <p:nvSpPr>
+          <p:cNvPr id="3" name="Notes Placeholder 2"/>
+          <p:cNvSpPr>
+            <a:spLocks noGrp="1"/>
+          </p:cNvSpPr>
+          <p:nvPr>
+            <p:ph type="body" idx="1"/>
+          </p:nvPr>
+        </p:nvSpPr>
+        <p:spPr/>
+        <p:txBody>
+          <a:bodyPr/>
+          <a:lstStyle/>
+          <a:p>
+            <a:pPr marL="285750" indent="-285750">
+              <a:buFontTx/>
+              <a:buChar char="-"/>
+            </a:pPr>
+            <a:r>
+              <a:rPr lang="en-US" dirty="0"/>
+              <a:t>Show them a demo</a:t>
+            </a:r>
+          </a:p>
+          <a:p>
+            <a:pPr marL="285750" indent="-285750">
+              <a:buFontTx/>
+              <a:buChar char="-"/>
+            </a:pPr>
+            <a:r>
+              <a:rPr lang="en-US" dirty="0"/>
+              <a:t>Show how can you read from var</a:t>
+            </a:r>
+          </a:p>
+          <a:p>
+            <a:pPr marL="285750" indent="-285750">
+              <a:buFontTx/>
+              <a:buChar char="-"/>
+            </a:pPr>
+            <a:r>
+              <a:rPr lang="en-US" dirty="0"/>
+              <a:t>Show how can you associate to another resource.</a:t>
+            </a:r>
+          </a:p>
+          <a:p>
+            <a:pPr marL="285750" indent="-285750">
+              <a:buFontTx/>
+              <a:buChar char="-"/>
+            </a:pPr>
+            <a:r>
+              <a:rPr lang="en-US" dirty="0"/>
+              <a:t>Show them how to google any resource type</a:t>
+            </a:r>
+          </a:p>
+          <a:p>
+            <a:pPr marL="285750" indent="-285750">
+              <a:buFontTx/>
+              <a:buChar char="-"/>
+            </a:pPr>
+            <a:endParaRPr lang="en-US" dirty="0"/>
+          </a:p>
+          <a:p>
+            <a:pPr marL="285750" indent="-285750">
+              <a:buFontTx/>
+              <a:buChar char="-"/>
+            </a:pPr>
+            <a:r>
+              <a:rPr lang="en-US" dirty="0"/>
+              <a:t>Talk about VS code</a:t>
+            </a:r>
+          </a:p>
+        </p:txBody>
+      </p:sp>
+      <p:sp>
+        <p:nvSpPr>
+          <p:cNvPr id="4" name="Slide Number Placeholder 3"/>
+          <p:cNvSpPr>
+            <a:spLocks noGrp="1"/>
+          </p:cNvSpPr>
+          <p:nvPr>
+            <p:ph type="sldNum" sz="quarter" idx="10"/>
+          </p:nvPr>
+        </p:nvSpPr>
+        <p:spPr/>
+        <p:txBody>
+          <a:bodyPr/>
+          <a:lstStyle/>
+          <a:p>
+            <a:fld id="{82AABF77-E2E4-44CA-BA5C-65E132CF08D8}" type="slidenum">
+              <a:rPr lang="en-US" smtClean="0"/>
+              <a:pPr/>
+              <a:t>23</a:t>
+            </a:fld>
+            <a:endParaRPr lang="en-US" dirty="0"/>
+          </a:p>
+        </p:txBody>
+      </p:sp>
+    </p:spTree>
+    <p:extLst>
+      <p:ext uri="{BB962C8B-B14F-4D97-AF65-F5344CB8AC3E}">
+        <p14:creationId xmlns:p14="http://schemas.microsoft.com/office/powerpoint/2010/main" val="4284105449"/>
+      </p:ext>
+    </p:extLst>
+  </p:cSld>
+  <p:clrMapOvr>
+    <a:masterClrMapping/>
+  </p:clrMapOvr>
+</p:notes>
+</file>
+
+<file path=ppt/notesSlides/notesSlide24.xml><?xml version="1.0" encoding="utf-8"?>
+<p:notes xmlns:a="http://schemas.openxmlformats.org/drawingml/2006/main" xmlns:r="http://schemas.openxmlformats.org/officeDocument/2006/relationships" xmlns:p="http://schemas.openxmlformats.org/presentationml/2006/main">
+  <p:cSld>
+    <p:spTree>
+      <p:nvGrpSpPr>
+        <p:cNvPr id="1" name=""/>
+        <p:cNvGrpSpPr/>
+        <p:nvPr/>
+      </p:nvGrpSpPr>
+      <p:grpSpPr>
+        <a:xfrm>
+          <a:off x="0" y="0"/>
+          <a:ext cx="0" cy="0"/>
+          <a:chOff x="0" y="0"/>
+          <a:chExt cx="0" cy="0"/>
+        </a:xfrm>
+      </p:grpSpPr>
+      <p:sp>
+        <p:nvSpPr>
+          <p:cNvPr id="2" name="Slide Image Placeholder 1"/>
+          <p:cNvSpPr>
+            <a:spLocks noGrp="1" noRot="1" noChangeAspect="1"/>
+          </p:cNvSpPr>
+          <p:nvPr>
+            <p:ph type="sldImg"/>
+          </p:nvPr>
+        </p:nvSpPr>
+        <p:spPr/>
+      </p:sp>
+      <p:sp>
+        <p:nvSpPr>
+          <p:cNvPr id="3" name="Notes Placeholder 2"/>
+          <p:cNvSpPr>
+            <a:spLocks noGrp="1"/>
+          </p:cNvSpPr>
+          <p:nvPr>
+            <p:ph type="body" idx="1"/>
+          </p:nvPr>
+        </p:nvSpPr>
+        <p:spPr/>
+        <p:txBody>
+          <a:bodyPr/>
+          <a:lstStyle/>
+          <a:p>
+            <a:endParaRPr lang="en-US" dirty="0"/>
+          </a:p>
+        </p:txBody>
+      </p:sp>
+      <p:sp>
+        <p:nvSpPr>
+          <p:cNvPr id="4" name="Slide Number Placeholder 3"/>
+          <p:cNvSpPr>
+            <a:spLocks noGrp="1"/>
+          </p:cNvSpPr>
+          <p:nvPr>
+            <p:ph type="sldNum" sz="quarter" idx="10"/>
+          </p:nvPr>
+        </p:nvSpPr>
+        <p:spPr/>
+        <p:txBody>
+          <a:bodyPr/>
+          <a:lstStyle/>
+          <a:p>
+            <a:fld id="{82AABF77-E2E4-44CA-BA5C-65E132CF08D8}" type="slidenum">
+              <a:rPr lang="en-US" smtClean="0"/>
+              <a:pPr/>
+              <a:t>24</a:t>
+            </a:fld>
+            <a:endParaRPr lang="en-US" dirty="0"/>
+          </a:p>
+        </p:txBody>
+      </p:sp>
+    </p:spTree>
+    <p:extLst>
+      <p:ext uri="{BB962C8B-B14F-4D97-AF65-F5344CB8AC3E}">
+        <p14:creationId xmlns:p14="http://schemas.microsoft.com/office/powerpoint/2010/main" val="1773553323"/>
       </p:ext>
     </p:extLst>
   </p:cSld>
@@ -22488,7 +22749,7 @@
                   <a:schemeClr val="bg1"/>
                 </a:solidFill>
               </a:rPr>
-              <a:t>Main file</a:t>
+              <a:t>Resources files</a:t>
             </a:r>
           </a:p>
         </p:txBody>
@@ -23555,7 +23816,7 @@
                   <a:schemeClr val="bg1"/>
                 </a:solidFill>
               </a:rPr>
-              <a:t>Main Commands</a:t>
+              <a:t>Show me something!</a:t>
             </a:r>
           </a:p>
         </p:txBody>
@@ -23612,7 +23873,7 @@
         </p:nvSpPr>
         <p:spPr>
           <a:xfrm>
-            <a:off x="519112" y="402776"/>
+            <a:off x="519905" y="2869081"/>
             <a:ext cx="11149013" cy="747897"/>
           </a:xfrm>
           <a:prstGeom prst="rect">
@@ -23649,343 +23910,22 @@
             </a:lvl1pPr>
           </a:lstStyle>
           <a:p>
+            <a:pPr algn="ctr"/>
             <a:r>
               <a:rPr lang="en-US" dirty="0">
                 <a:solidFill>
                   <a:schemeClr val="bg1"/>
                 </a:solidFill>
               </a:rPr>
-              <a:t>Terraform </a:t>
-            </a:r>
-            <a:r>
-              <a:rPr lang="en-US" dirty="0" err="1">
-                <a:solidFill>
-                  <a:schemeClr val="bg1"/>
-                </a:solidFill>
-              </a:rPr>
-              <a:t>init</a:t>
-            </a:r>
-            <a:endParaRPr lang="en-US" dirty="0">
-              <a:solidFill>
-                <a:schemeClr val="bg1"/>
-              </a:solidFill>
-            </a:endParaRPr>
-          </a:p>
-        </p:txBody>
-      </p:sp>
-      <p:sp>
-        <p:nvSpPr>
-          <p:cNvPr id="10" name="Content Placeholder 4">
-            <a:extLst>
-              <a:ext uri="{FF2B5EF4-FFF2-40B4-BE49-F238E27FC236}">
-                <a16:creationId xmlns:a16="http://schemas.microsoft.com/office/drawing/2014/main" id="{99F14555-085F-43D0-8F62-1AB6EC74350D}"/>
-              </a:ext>
-            </a:extLst>
-          </p:cNvPr>
-          <p:cNvSpPr txBox="1">
-            <a:spLocks/>
-          </p:cNvSpPr>
-          <p:nvPr/>
-        </p:nvSpPr>
-        <p:spPr>
-          <a:xfrm>
-            <a:off x="519112" y="1472123"/>
-            <a:ext cx="10672629" cy="5186254"/>
-          </a:xfrm>
-          <a:prstGeom prst="rect">
-            <a:avLst/>
-          </a:prstGeom>
-        </p:spPr>
-        <p:txBody>
-          <a:bodyPr>
-            <a:normAutofit fontScale="77500" lnSpcReduction="20000"/>
-          </a:bodyPr>
-          <a:lstStyle>
-            <a:lvl1pPr marL="460375" indent="-460375" algn="l" defTabSz="914363" rtl="0" eaLnBrk="1" latinLnBrk="0" hangingPunct="1">
-              <a:lnSpc>
-                <a:spcPct val="90000"/>
-              </a:lnSpc>
-              <a:spcBef>
-                <a:spcPct val="20000"/>
-              </a:spcBef>
-              <a:buClr>
-                <a:srgbClr val="92D050"/>
-              </a:buClr>
-              <a:buSzPct val="120000"/>
-              <a:buFont typeface="Arial" pitchFamily="34" charset="0"/>
-              <a:buChar char="•"/>
-              <a:defRPr sz="4400" kern="1200">
-                <a:solidFill>
-                  <a:schemeClr val="bg1"/>
-                </a:solidFill>
-                <a:latin typeface="+mn-lt"/>
-                <a:ea typeface="+mn-ea"/>
-                <a:cs typeface="+mn-cs"/>
-              </a:defRPr>
-            </a:lvl1pPr>
-            <a:lvl2pPr marL="855663" indent="-395288" algn="l" defTabSz="914363" rtl="0" eaLnBrk="1" latinLnBrk="0" hangingPunct="1">
-              <a:lnSpc>
-                <a:spcPct val="90000"/>
-              </a:lnSpc>
-              <a:spcBef>
-                <a:spcPct val="20000"/>
-              </a:spcBef>
-              <a:buClr>
-                <a:srgbClr val="92D050"/>
-              </a:buClr>
-              <a:buSzPct val="120000"/>
-              <a:buFont typeface="Arial" pitchFamily="34" charset="0"/>
-              <a:buChar char="•"/>
-              <a:defRPr sz="4000" kern="1200">
-                <a:solidFill>
-                  <a:schemeClr val="bg1"/>
-                </a:solidFill>
-                <a:latin typeface="+mn-lt"/>
-                <a:ea typeface="+mn-ea"/>
-                <a:cs typeface="+mn-cs"/>
-              </a:defRPr>
-            </a:lvl2pPr>
-            <a:lvl3pPr marL="1258888" indent="-403225" algn="l" defTabSz="914363" rtl="0" eaLnBrk="1" latinLnBrk="0" hangingPunct="1">
-              <a:lnSpc>
-                <a:spcPct val="90000"/>
-              </a:lnSpc>
-              <a:spcBef>
-                <a:spcPct val="20000"/>
-              </a:spcBef>
-              <a:buClr>
-                <a:srgbClr val="92D050"/>
-              </a:buClr>
-              <a:buSzPct val="120000"/>
-              <a:buFont typeface="Arial" pitchFamily="34" charset="0"/>
-              <a:buChar char="•"/>
-              <a:defRPr sz="3600" kern="1200">
-                <a:solidFill>
-                  <a:schemeClr val="bg1"/>
-                </a:solidFill>
-                <a:latin typeface="+mn-lt"/>
-                <a:ea typeface="+mn-ea"/>
-                <a:cs typeface="+mn-cs"/>
-              </a:defRPr>
-            </a:lvl3pPr>
-            <a:lvl4pPr marL="1604963" indent="-346075" algn="l" defTabSz="914363" rtl="0" eaLnBrk="1" latinLnBrk="0" hangingPunct="1">
-              <a:lnSpc>
-                <a:spcPct val="90000"/>
-              </a:lnSpc>
-              <a:spcBef>
-                <a:spcPct val="20000"/>
-              </a:spcBef>
-              <a:buClr>
-                <a:srgbClr val="92D050"/>
-              </a:buClr>
-              <a:buSzPct val="120000"/>
-              <a:buFont typeface="Arial" pitchFamily="34" charset="0"/>
-              <a:buChar char="•"/>
-              <a:defRPr sz="3200" kern="1200">
-                <a:solidFill>
-                  <a:schemeClr val="bg1"/>
-                </a:solidFill>
-                <a:latin typeface="+mn-lt"/>
-                <a:ea typeface="+mn-ea"/>
-                <a:cs typeface="+mn-cs"/>
-              </a:defRPr>
-            </a:lvl4pPr>
-            <a:lvl5pPr marL="1941513" indent="-336550" algn="l" defTabSz="914363" rtl="0" eaLnBrk="1" latinLnBrk="0" hangingPunct="1">
-              <a:lnSpc>
-                <a:spcPct val="90000"/>
-              </a:lnSpc>
-              <a:spcBef>
-                <a:spcPct val="20000"/>
-              </a:spcBef>
-              <a:buClr>
-                <a:srgbClr val="92D050"/>
-              </a:buClr>
-              <a:buSzPct val="120000"/>
-              <a:buFont typeface="Arial" pitchFamily="34" charset="0"/>
-              <a:buChar char="•"/>
-              <a:defRPr sz="3200" kern="1200">
-                <a:solidFill>
-                  <a:schemeClr val="bg1"/>
-                </a:solidFill>
-                <a:latin typeface="+mn-lt"/>
-                <a:ea typeface="+mn-ea"/>
-                <a:cs typeface="+mn-cs"/>
-              </a:defRPr>
-            </a:lvl5pPr>
-            <a:lvl6pPr marL="2514499" indent="-228591" algn="l" defTabSz="914363" rtl="0" eaLnBrk="1" latinLnBrk="0" hangingPunct="1">
-              <a:spcBef>
-                <a:spcPct val="20000"/>
-              </a:spcBef>
-              <a:buFont typeface="Arial" pitchFamily="34" charset="0"/>
-              <a:buChar char="•"/>
-              <a:defRPr sz="2000" kern="1200">
-                <a:solidFill>
-                  <a:schemeClr val="tx1"/>
-                </a:solidFill>
-                <a:latin typeface="+mn-lt"/>
-                <a:ea typeface="+mn-ea"/>
-                <a:cs typeface="+mn-cs"/>
-              </a:defRPr>
-            </a:lvl6pPr>
-            <a:lvl7pPr marL="2971681" indent="-228591" algn="l" defTabSz="914363" rtl="0" eaLnBrk="1" latinLnBrk="0" hangingPunct="1">
-              <a:spcBef>
-                <a:spcPct val="20000"/>
-              </a:spcBef>
-              <a:buFont typeface="Arial" pitchFamily="34" charset="0"/>
-              <a:buChar char="•"/>
-              <a:defRPr sz="2000" kern="1200">
-                <a:solidFill>
-                  <a:schemeClr val="tx1"/>
-                </a:solidFill>
-                <a:latin typeface="+mn-lt"/>
-                <a:ea typeface="+mn-ea"/>
-                <a:cs typeface="+mn-cs"/>
-              </a:defRPr>
-            </a:lvl7pPr>
-            <a:lvl8pPr marL="3428863" indent="-228591" algn="l" defTabSz="914363" rtl="0" eaLnBrk="1" latinLnBrk="0" hangingPunct="1">
-              <a:spcBef>
-                <a:spcPct val="20000"/>
-              </a:spcBef>
-              <a:buFont typeface="Arial" pitchFamily="34" charset="0"/>
-              <a:buChar char="•"/>
-              <a:defRPr sz="2000" kern="1200">
-                <a:solidFill>
-                  <a:schemeClr val="tx1"/>
-                </a:solidFill>
-                <a:latin typeface="+mn-lt"/>
-                <a:ea typeface="+mn-ea"/>
-                <a:cs typeface="+mn-cs"/>
-              </a:defRPr>
-            </a:lvl8pPr>
-            <a:lvl9pPr marL="3886045" indent="-228591" algn="l" defTabSz="914363" rtl="0" eaLnBrk="1" latinLnBrk="0" hangingPunct="1">
-              <a:spcBef>
-                <a:spcPct val="20000"/>
-              </a:spcBef>
-              <a:buFont typeface="Arial" pitchFamily="34" charset="0"/>
-              <a:buChar char="•"/>
-              <a:defRPr sz="2000" kern="1200">
-                <a:solidFill>
-                  <a:schemeClr val="tx1"/>
-                </a:solidFill>
-                <a:latin typeface="+mn-lt"/>
-                <a:ea typeface="+mn-ea"/>
-                <a:cs typeface="+mn-cs"/>
-              </a:defRPr>
-            </a:lvl9pPr>
-          </a:lstStyle>
-          <a:p>
-            <a:pPr marL="2645" defTabSz="761566">
-              <a:lnSpc>
-                <a:spcPct val="200000"/>
-              </a:lnSpc>
-              <a:spcBef>
-                <a:spcPts val="0"/>
-              </a:spcBef>
-              <a:spcAft>
-                <a:spcPts val="750"/>
-              </a:spcAft>
-            </a:pPr>
-            <a:r>
-              <a:rPr lang="en-GB" sz="3599" spc="-83" dirty="0">
-                <a:latin typeface="Segoe UI Light" pitchFamily="34" charset="0"/>
-              </a:rPr>
-              <a:t>Very first command you need to run</a:t>
-            </a:r>
-          </a:p>
-          <a:p>
-            <a:pPr marL="2645" defTabSz="761566">
-              <a:lnSpc>
-                <a:spcPct val="200000"/>
-              </a:lnSpc>
-              <a:spcBef>
-                <a:spcPts val="0"/>
-              </a:spcBef>
-              <a:spcAft>
-                <a:spcPts val="750"/>
-              </a:spcAft>
-            </a:pPr>
-            <a:r>
-              <a:rPr lang="en-GB" sz="3599" spc="-83" dirty="0">
-                <a:latin typeface="Segoe UI Light" pitchFamily="34" charset="0"/>
-              </a:rPr>
-              <a:t>Initialize a working directory containing Terraform configuration files</a:t>
-            </a:r>
-          </a:p>
-          <a:p>
-            <a:pPr marL="2645" defTabSz="761566">
-              <a:lnSpc>
-                <a:spcPct val="200000"/>
-              </a:lnSpc>
-              <a:spcBef>
-                <a:spcPts val="0"/>
-              </a:spcBef>
-              <a:spcAft>
-                <a:spcPts val="750"/>
-              </a:spcAft>
-            </a:pPr>
-            <a:r>
-              <a:rPr lang="en-GB" sz="3599" spc="-83" dirty="0">
-                <a:latin typeface="Segoe UI Light" pitchFamily="34" charset="0"/>
-              </a:rPr>
-              <a:t>Detects your provider from your code</a:t>
-            </a:r>
-          </a:p>
-          <a:p>
-            <a:pPr marL="2645" defTabSz="761566">
-              <a:lnSpc>
-                <a:spcPct val="200000"/>
-              </a:lnSpc>
-              <a:spcBef>
-                <a:spcPts val="0"/>
-              </a:spcBef>
-              <a:spcAft>
-                <a:spcPts val="750"/>
-              </a:spcAft>
-            </a:pPr>
-            <a:r>
-              <a:rPr lang="en-GB" sz="3599" spc="-83" dirty="0">
-                <a:latin typeface="Segoe UI Light" pitchFamily="34" charset="0"/>
-              </a:rPr>
-              <a:t>Downloads a .terraform folder containing provider modules.</a:t>
-            </a:r>
-          </a:p>
-          <a:p>
-            <a:pPr marL="2645" defTabSz="761566">
-              <a:lnSpc>
-                <a:spcPct val="200000"/>
-              </a:lnSpc>
-              <a:spcBef>
-                <a:spcPts val="0"/>
-              </a:spcBef>
-              <a:spcAft>
-                <a:spcPts val="750"/>
-              </a:spcAft>
-            </a:pPr>
-            <a:r>
-              <a:rPr lang="en-US" sz="3599" spc="-83" dirty="0">
-                <a:latin typeface="Segoe UI Light" pitchFamily="34" charset="0"/>
-              </a:rPr>
-              <a:t>Safe to run 100 times</a:t>
-            </a:r>
-          </a:p>
-          <a:p>
-            <a:pPr marL="2645" defTabSz="761566">
-              <a:spcBef>
-                <a:spcPts val="0"/>
-              </a:spcBef>
-              <a:spcAft>
-                <a:spcPts val="750"/>
-              </a:spcAft>
-            </a:pPr>
-            <a:endParaRPr lang="en-US" sz="3599" spc="-83" dirty="0">
-              <a:latin typeface="Segoe UI Light" pitchFamily="34" charset="0"/>
-            </a:endParaRPr>
+              <a:t>Main Commands</a:t>
+            </a:r>
           </a:p>
         </p:txBody>
       </p:sp>
     </p:spTree>
     <p:extLst>
       <p:ext uri="{BB962C8B-B14F-4D97-AF65-F5344CB8AC3E}">
-        <p14:creationId xmlns:p14="http://schemas.microsoft.com/office/powerpoint/2010/main" val="3760699664"/>
+        <p14:creationId xmlns:p14="http://schemas.microsoft.com/office/powerpoint/2010/main" val="731826040"/>
       </p:ext>
     </p:extLst>
   </p:cSld>
@@ -24077,8 +24017,21 @@
                   <a:schemeClr val="bg1"/>
                 </a:solidFill>
               </a:rPr>
-              <a:t>Terraform validate</a:t>
-            </a:r>
+              <a:t>Terraform </a:t>
+            </a:r>
+            <a:r>
+              <a:rPr lang="en-US" dirty="0" err="1">
+                <a:solidFill>
+                  <a:schemeClr val="bg1"/>
+                </a:solidFill>
+              </a:rPr>
+              <a:t>init</a:t>
+            </a:r>
+            <a:endParaRPr lang="en-US" dirty="0">
+              <a:solidFill>
+                <a:schemeClr val="bg1"/>
+              </a:solidFill>
+            </a:endParaRPr>
           </a:p>
         </p:txBody>
       </p:sp>
@@ -24099,7 +24052,7 @@
         <p:spPr>
           <a:xfrm>
             <a:off x="519112" y="1472123"/>
-            <a:ext cx="11342330" cy="5186254"/>
+            <a:ext cx="10672629" cy="5186254"/>
           </a:xfrm>
           <a:prstGeom prst="rect">
             <a:avLst/>
@@ -24107,7 +24060,7 @@
         </p:spPr>
         <p:txBody>
           <a:bodyPr>
-            <a:normAutofit/>
+            <a:normAutofit fontScale="77500" lnSpcReduction="20000"/>
           </a:bodyPr>
           <a:lstStyle>
             <a:lvl1pPr marL="460375" indent="-460375" algn="l" defTabSz="914363" rtl="0" eaLnBrk="1" latinLnBrk="0" hangingPunct="1">
@@ -24297,7 +24250,7 @@
               <a:rPr lang="en-GB" sz="3599" spc="-83" dirty="0">
                 <a:latin typeface="Segoe UI Light" pitchFamily="34" charset="0"/>
               </a:rPr>
-              <a:t>Validates the syntax of the terraform files</a:t>
+              <a:t>Very first command you need to run</a:t>
             </a:r>
           </a:p>
           <a:p>
@@ -24316,7 +24269,7 @@
               <a:rPr lang="en-GB" sz="3599" spc="-83" dirty="0">
                 <a:latin typeface="Segoe UI Light" pitchFamily="34" charset="0"/>
               </a:rPr>
-              <a:t>Will only return an output if you have syntax issues</a:t>
+              <a:t>Initialize a working directory containing Terraform configuration files</a:t>
             </a:r>
           </a:p>
           <a:p>
@@ -24335,15 +24288,66 @@
               <a:rPr lang="en-GB" sz="3599" spc="-83" dirty="0">
                 <a:latin typeface="Segoe UI Light" pitchFamily="34" charset="0"/>
               </a:rPr>
-              <a:t>Doesn’t check formatting</a:t>
-            </a:r>
+              <a:t>Detects your provider from your code</a:t>
+            </a:r>
+          </a:p>
+          <a:p>
+            <a:pPr marL="2645" defTabSz="761566">
+              <a:lnSpc>
+                <a:spcPct val="200000"/>
+              </a:lnSpc>
+              <a:spcBef>
+                <a:spcPts val="0"/>
+              </a:spcBef>
+              <a:spcAft>
+                <a:spcPts val="750"/>
+              </a:spcAft>
+            </a:pPr>
+            <a:r>
+              <a:rPr lang="en-GB" sz="3599" spc="-83" dirty="0">
+                <a:latin typeface="Segoe UI Light" pitchFamily="34" charset="0"/>
+              </a:rPr>
+              <a:t>Downloads a .terraform folder containing provider modules.</a:t>
+            </a:r>
+          </a:p>
+          <a:p>
+            <a:pPr marL="2645" defTabSz="761566">
+              <a:lnSpc>
+                <a:spcPct val="200000"/>
+              </a:lnSpc>
+              <a:spcBef>
+                <a:spcPts val="0"/>
+              </a:spcBef>
+              <a:spcAft>
+                <a:spcPts val="750"/>
+              </a:spcAft>
+            </a:pPr>
+            <a:r>
+              <a:rPr lang="en-US" sz="3599" spc="-83" dirty="0">
+                <a:latin typeface="Segoe UI Light" pitchFamily="34" charset="0"/>
+              </a:rPr>
+              <a:t>Safe to run 100 times</a:t>
+            </a:r>
+          </a:p>
+          <a:p>
+            <a:pPr marL="2645" defTabSz="761566">
+              <a:spcBef>
+                <a:spcPts val="0"/>
+              </a:spcBef>
+              <a:spcAft>
+                <a:spcPts val="750"/>
+              </a:spcAft>
+            </a:pPr>
+            <a:endParaRPr lang="en-US" sz="3599" spc="-83" dirty="0">
+              <a:latin typeface="Segoe UI Light" pitchFamily="34" charset="0"/>
+            </a:endParaRPr>
           </a:p>
         </p:txBody>
       </p:sp>
     </p:spTree>
     <p:extLst>
       <p:ext uri="{BB962C8B-B14F-4D97-AF65-F5344CB8AC3E}">
-        <p14:creationId xmlns:p14="http://schemas.microsoft.com/office/powerpoint/2010/main" val="1202831852"/>
+        <p14:creationId xmlns:p14="http://schemas.microsoft.com/office/powerpoint/2010/main" val="3760699664"/>
       </p:ext>
     </p:extLst>
   </p:cSld>
@@ -24435,7 +24439,7 @@
                   <a:schemeClr val="bg1"/>
                 </a:solidFill>
               </a:rPr>
-              <a:t>Terraform plan</a:t>
+              <a:t>Terraform validate</a:t>
             </a:r>
           </a:p>
         </p:txBody>
@@ -24465,7 +24469,7 @@
         </p:spPr>
         <p:txBody>
           <a:bodyPr>
-            <a:normAutofit fontScale="92500" lnSpcReduction="20000"/>
+            <a:normAutofit/>
           </a:bodyPr>
           <a:lstStyle>
             <a:lvl1pPr marL="460375" indent="-460375" algn="l" defTabSz="914363" rtl="0" eaLnBrk="1" latinLnBrk="0" hangingPunct="1">
@@ -24655,7 +24659,7 @@
               <a:rPr lang="en-GB" sz="3599" spc="-83" dirty="0">
                 <a:latin typeface="Segoe UI Light" pitchFamily="34" charset="0"/>
               </a:rPr>
-              <a:t>Creates an execution plan</a:t>
+              <a:t>Validates the syntax of the terraform files</a:t>
             </a:r>
           </a:p>
           <a:p>
@@ -24674,19 +24678,7 @@
               <a:rPr lang="en-GB" sz="3599" spc="-83" dirty="0">
                 <a:latin typeface="Segoe UI Light" pitchFamily="34" charset="0"/>
               </a:rPr>
-              <a:t>Makes a diff between what you have in your code and the </a:t>
-            </a:r>
-            <a:r>
-              <a:rPr lang="en-GB" sz="3599" spc="-83" dirty="0" err="1">
-                <a:latin typeface="Segoe UI Light" pitchFamily="34" charset="0"/>
-              </a:rPr>
-              <a:t>tfstate</a:t>
-            </a:r>
-            <a:r>
-              <a:rPr lang="en-GB" sz="3599" spc="-83" dirty="0">
-                <a:latin typeface="Segoe UI Light" pitchFamily="34" charset="0"/>
-              </a:rPr>
-              <a:t> file.</a:t>
+              <a:t>Will only return an output if you have syntax issues</a:t>
             </a:r>
           </a:p>
           <a:p>
@@ -24705,47 +24697,15 @@
               <a:rPr lang="en-GB" sz="3599" spc="-83" dirty="0">
                 <a:latin typeface="Segoe UI Light" pitchFamily="34" charset="0"/>
               </a:rPr>
-              <a:t>Accepts parameters if you want to override variables’ values</a:t>
-            </a:r>
-          </a:p>
-          <a:p>
-            <a:pPr marL="2645" defTabSz="761566">
-              <a:lnSpc>
-                <a:spcPct val="200000"/>
-              </a:lnSpc>
-              <a:spcBef>
-                <a:spcPts val="0"/>
-              </a:spcBef>
-              <a:spcAft>
-                <a:spcPts val="750"/>
-              </a:spcAft>
-            </a:pPr>
-            <a:r>
-              <a:rPr lang="en-GB" sz="3599" spc="-83" dirty="0">
-                <a:latin typeface="Segoe UI Light" pitchFamily="34" charset="0"/>
-              </a:rPr>
-              <a:t>Safe to run many times.</a:t>
-            </a:r>
-          </a:p>
-          <a:p>
-            <a:pPr marL="2645" defTabSz="761566">
-              <a:spcBef>
-                <a:spcPts val="0"/>
-              </a:spcBef>
-              <a:spcAft>
-                <a:spcPts val="750"/>
-              </a:spcAft>
-            </a:pPr>
-            <a:endParaRPr lang="en-US" sz="3599" spc="-83" dirty="0">
-              <a:latin typeface="Segoe UI Light" pitchFamily="34" charset="0"/>
-            </a:endParaRPr>
+              <a:t>Doesn’t check formatting</a:t>
+            </a:r>
           </a:p>
         </p:txBody>
       </p:sp>
     </p:spTree>
     <p:extLst>
       <p:ext uri="{BB962C8B-B14F-4D97-AF65-F5344CB8AC3E}">
-        <p14:creationId xmlns:p14="http://schemas.microsoft.com/office/powerpoint/2010/main" val="3341722906"/>
+        <p14:creationId xmlns:p14="http://schemas.microsoft.com/office/powerpoint/2010/main" val="1202831852"/>
       </p:ext>
     </p:extLst>
   </p:cSld>
@@ -24837,7 +24797,7 @@
                   <a:schemeClr val="bg1"/>
                 </a:solidFill>
               </a:rPr>
-              <a:t>Terraform apply</a:t>
+              <a:t>Terraform plan</a:t>
             </a:r>
           </a:p>
         </p:txBody>
@@ -24867,7 +24827,7 @@
         </p:spPr>
         <p:txBody>
           <a:bodyPr>
-            <a:normAutofit fontScale="92500"/>
+            <a:normAutofit fontScale="92500" lnSpcReduction="20000"/>
           </a:bodyPr>
           <a:lstStyle>
             <a:lvl1pPr marL="460375" indent="-460375" algn="l" defTabSz="914363" rtl="0" eaLnBrk="1" latinLnBrk="0" hangingPunct="1">
@@ -25057,7 +25017,7 @@
               <a:rPr lang="en-GB" sz="3599" spc="-83" dirty="0">
                 <a:latin typeface="Segoe UI Light" pitchFamily="34" charset="0"/>
               </a:rPr>
-              <a:t>Executes the plan that you got when you ran “terraform plan”</a:t>
+              <a:t>Creates an execution plan</a:t>
             </a:r>
           </a:p>
           <a:p>
@@ -25076,7 +25036,19 @@
               <a:rPr lang="en-GB" sz="3599" spc="-83" dirty="0">
                 <a:latin typeface="Segoe UI Light" pitchFamily="34" charset="0"/>
               </a:rPr>
-              <a:t>Applies the changes required to reach the desired state of the configuration.</a:t>
+              <a:t>Makes a diff between what you have in your code and the </a:t>
+            </a:r>
+            <a:r>
+              <a:rPr lang="en-GB" sz="3599" spc="-83" dirty="0" err="1">
+                <a:latin typeface="Segoe UI Light" pitchFamily="34" charset="0"/>
+              </a:rPr>
+              <a:t>tfstate</a:t>
+            </a:r>
+            <a:r>
+              <a:rPr lang="en-GB" sz="3599" spc="-83" dirty="0">
+                <a:latin typeface="Segoe UI Light" pitchFamily="34" charset="0"/>
+              </a:rPr>
+              <a:t> file.</a:t>
             </a:r>
           </a:p>
           <a:p>
@@ -25100,6 +25072,9 @@
           </a:p>
           <a:p>
             <a:pPr marL="2645" defTabSz="761566">
+              <a:lnSpc>
+                <a:spcPct val="200000"/>
+              </a:lnSpc>
               <a:spcBef>
                 <a:spcPts val="0"/>
               </a:spcBef>
@@ -25108,18 +25083,31 @@
               </a:spcAft>
             </a:pPr>
             <a:r>
-              <a:rPr lang="en-US" sz="3599" spc="-83" dirty="0">
+              <a:rPr lang="en-GB" sz="3599" spc="-83" dirty="0">
                 <a:latin typeface="Segoe UI Light" pitchFamily="34" charset="0"/>
               </a:rPr>
-              <a:t>Updates the tfstate file</a:t>
-            </a:r>
+              <a:t>Safe to run many times.</a:t>
+            </a:r>
+          </a:p>
+          <a:p>
+            <a:pPr marL="2645" defTabSz="761566">
+              <a:spcBef>
+                <a:spcPts val="0"/>
+              </a:spcBef>
+              <a:spcAft>
+                <a:spcPts val="750"/>
+              </a:spcAft>
+            </a:pPr>
+            <a:endParaRPr lang="en-US" sz="3599" spc="-83" dirty="0">
+              <a:latin typeface="Segoe UI Light" pitchFamily="34" charset="0"/>
+            </a:endParaRPr>
           </a:p>
         </p:txBody>
       </p:sp>
     </p:spTree>
     <p:extLst>
       <p:ext uri="{BB962C8B-B14F-4D97-AF65-F5344CB8AC3E}">
-        <p14:creationId xmlns:p14="http://schemas.microsoft.com/office/powerpoint/2010/main" val="182571054"/>
+        <p14:creationId xmlns:p14="http://schemas.microsoft.com/office/powerpoint/2010/main" val="3341722906"/>
       </p:ext>
     </p:extLst>
   </p:cSld>
@@ -25168,7 +25156,7 @@
         </p:nvSpPr>
         <p:spPr>
           <a:xfrm>
-            <a:off x="519905" y="2869081"/>
+            <a:off x="519112" y="402776"/>
             <a:ext cx="11149013" cy="747897"/>
           </a:xfrm>
           <a:prstGeom prst="rect">
@@ -25205,14 +25193,287 @@
             </a:lvl1pPr>
           </a:lstStyle>
           <a:p>
-            <a:pPr algn="ctr"/>
             <a:r>
               <a:rPr lang="en-US" dirty="0">
                 <a:solidFill>
                   <a:schemeClr val="bg1"/>
                 </a:solidFill>
               </a:rPr>
-              <a:t>Modules</a:t>
+              <a:t>Terraform apply</a:t>
+            </a:r>
+          </a:p>
+        </p:txBody>
+      </p:sp>
+      <p:sp>
+        <p:nvSpPr>
+          <p:cNvPr id="10" name="Content Placeholder 4">
+            <a:extLst>
+              <a:ext uri="{FF2B5EF4-FFF2-40B4-BE49-F238E27FC236}">
+                <a16:creationId xmlns:a16="http://schemas.microsoft.com/office/drawing/2014/main" id="{99F14555-085F-43D0-8F62-1AB6EC74350D}"/>
+              </a:ext>
+            </a:extLst>
+          </p:cNvPr>
+          <p:cNvSpPr txBox="1">
+            <a:spLocks/>
+          </p:cNvSpPr>
+          <p:nvPr/>
+        </p:nvSpPr>
+        <p:spPr>
+          <a:xfrm>
+            <a:off x="519112" y="1472123"/>
+            <a:ext cx="11342330" cy="5186254"/>
+          </a:xfrm>
+          <a:prstGeom prst="rect">
+            <a:avLst/>
+          </a:prstGeom>
+        </p:spPr>
+        <p:txBody>
+          <a:bodyPr>
+            <a:normAutofit fontScale="92500"/>
+          </a:bodyPr>
+          <a:lstStyle>
+            <a:lvl1pPr marL="460375" indent="-460375" algn="l" defTabSz="914363" rtl="0" eaLnBrk="1" latinLnBrk="0" hangingPunct="1">
+              <a:lnSpc>
+                <a:spcPct val="90000"/>
+              </a:lnSpc>
+              <a:spcBef>
+                <a:spcPct val="20000"/>
+              </a:spcBef>
+              <a:buClr>
+                <a:srgbClr val="92D050"/>
+              </a:buClr>
+              <a:buSzPct val="120000"/>
+              <a:buFont typeface="Arial" pitchFamily="34" charset="0"/>
+              <a:buChar char="•"/>
+              <a:defRPr sz="4400" kern="1200">
+                <a:solidFill>
+                  <a:schemeClr val="bg1"/>
+                </a:solidFill>
+                <a:latin typeface="+mn-lt"/>
+                <a:ea typeface="+mn-ea"/>
+                <a:cs typeface="+mn-cs"/>
+              </a:defRPr>
+            </a:lvl1pPr>
+            <a:lvl2pPr marL="855663" indent="-395288" algn="l" defTabSz="914363" rtl="0" eaLnBrk="1" latinLnBrk="0" hangingPunct="1">
+              <a:lnSpc>
+                <a:spcPct val="90000"/>
+              </a:lnSpc>
+              <a:spcBef>
+                <a:spcPct val="20000"/>
+              </a:spcBef>
+              <a:buClr>
+                <a:srgbClr val="92D050"/>
+              </a:buClr>
+              <a:buSzPct val="120000"/>
+              <a:buFont typeface="Arial" pitchFamily="34" charset="0"/>
+              <a:buChar char="•"/>
+              <a:defRPr sz="4000" kern="1200">
+                <a:solidFill>
+                  <a:schemeClr val="bg1"/>
+                </a:solidFill>
+                <a:latin typeface="+mn-lt"/>
+                <a:ea typeface="+mn-ea"/>
+                <a:cs typeface="+mn-cs"/>
+              </a:defRPr>
+            </a:lvl2pPr>
+            <a:lvl3pPr marL="1258888" indent="-403225" algn="l" defTabSz="914363" rtl="0" eaLnBrk="1" latinLnBrk="0" hangingPunct="1">
+              <a:lnSpc>
+                <a:spcPct val="90000"/>
+              </a:lnSpc>
+              <a:spcBef>
+                <a:spcPct val="20000"/>
+              </a:spcBef>
+              <a:buClr>
+                <a:srgbClr val="92D050"/>
+              </a:buClr>
+              <a:buSzPct val="120000"/>
+              <a:buFont typeface="Arial" pitchFamily="34" charset="0"/>
+              <a:buChar char="•"/>
+              <a:defRPr sz="3600" kern="1200">
+                <a:solidFill>
+                  <a:schemeClr val="bg1"/>
+                </a:solidFill>
+                <a:latin typeface="+mn-lt"/>
+                <a:ea typeface="+mn-ea"/>
+                <a:cs typeface="+mn-cs"/>
+              </a:defRPr>
+            </a:lvl3pPr>
+            <a:lvl4pPr marL="1604963" indent="-346075" algn="l" defTabSz="914363" rtl="0" eaLnBrk="1" latinLnBrk="0" hangingPunct="1">
+              <a:lnSpc>
+                <a:spcPct val="90000"/>
+              </a:lnSpc>
+              <a:spcBef>
+                <a:spcPct val="20000"/>
+              </a:spcBef>
+              <a:buClr>
+                <a:srgbClr val="92D050"/>
+              </a:buClr>
+              <a:buSzPct val="120000"/>
+              <a:buFont typeface="Arial" pitchFamily="34" charset="0"/>
+              <a:buChar char="•"/>
+              <a:defRPr sz="3200" kern="1200">
+                <a:solidFill>
+                  <a:schemeClr val="bg1"/>
+                </a:solidFill>
+                <a:latin typeface="+mn-lt"/>
+                <a:ea typeface="+mn-ea"/>
+                <a:cs typeface="+mn-cs"/>
+              </a:defRPr>
+            </a:lvl4pPr>
+            <a:lvl5pPr marL="1941513" indent="-336550" algn="l" defTabSz="914363" rtl="0" eaLnBrk="1" latinLnBrk="0" hangingPunct="1">
+              <a:lnSpc>
+                <a:spcPct val="90000"/>
+              </a:lnSpc>
+              <a:spcBef>
+                <a:spcPct val="20000"/>
+              </a:spcBef>
+              <a:buClr>
+                <a:srgbClr val="92D050"/>
+              </a:buClr>
+              <a:buSzPct val="120000"/>
+              <a:buFont typeface="Arial" pitchFamily="34" charset="0"/>
+              <a:buChar char="•"/>
+              <a:defRPr sz="3200" kern="1200">
+                <a:solidFill>
+                  <a:schemeClr val="bg1"/>
+                </a:solidFill>
+                <a:latin typeface="+mn-lt"/>
+                <a:ea typeface="+mn-ea"/>
+                <a:cs typeface="+mn-cs"/>
+              </a:defRPr>
+            </a:lvl5pPr>
+            <a:lvl6pPr marL="2514499" indent="-228591" algn="l" defTabSz="914363" rtl="0" eaLnBrk="1" latinLnBrk="0" hangingPunct="1">
+              <a:spcBef>
+                <a:spcPct val="20000"/>
+              </a:spcBef>
+              <a:buFont typeface="Arial" pitchFamily="34" charset="0"/>
+              <a:buChar char="•"/>
+              <a:defRPr sz="2000" kern="1200">
+                <a:solidFill>
+                  <a:schemeClr val="tx1"/>
+                </a:solidFill>
+                <a:latin typeface="+mn-lt"/>
+                <a:ea typeface="+mn-ea"/>
+                <a:cs typeface="+mn-cs"/>
+              </a:defRPr>
+            </a:lvl6pPr>
+            <a:lvl7pPr marL="2971681" indent="-228591" algn="l" defTabSz="914363" rtl="0" eaLnBrk="1" latinLnBrk="0" hangingPunct="1">
+              <a:spcBef>
+                <a:spcPct val="20000"/>
+              </a:spcBef>
+              <a:buFont typeface="Arial" pitchFamily="34" charset="0"/>
+              <a:buChar char="•"/>
+              <a:defRPr sz="2000" kern="1200">
+                <a:solidFill>
+                  <a:schemeClr val="tx1"/>
+                </a:solidFill>
+                <a:latin typeface="+mn-lt"/>
+                <a:ea typeface="+mn-ea"/>
+                <a:cs typeface="+mn-cs"/>
+              </a:defRPr>
+            </a:lvl7pPr>
+            <a:lvl8pPr marL="3428863" indent="-228591" algn="l" defTabSz="914363" rtl="0" eaLnBrk="1" latinLnBrk="0" hangingPunct="1">
+              <a:spcBef>
+                <a:spcPct val="20000"/>
+              </a:spcBef>
+              <a:buFont typeface="Arial" pitchFamily="34" charset="0"/>
+              <a:buChar char="•"/>
+              <a:defRPr sz="2000" kern="1200">
+                <a:solidFill>
+                  <a:schemeClr val="tx1"/>
+                </a:solidFill>
+                <a:latin typeface="+mn-lt"/>
+                <a:ea typeface="+mn-ea"/>
+                <a:cs typeface="+mn-cs"/>
+              </a:defRPr>
+            </a:lvl8pPr>
+            <a:lvl9pPr marL="3886045" indent="-228591" algn="l" defTabSz="914363" rtl="0" eaLnBrk="1" latinLnBrk="0" hangingPunct="1">
+              <a:spcBef>
+                <a:spcPct val="20000"/>
+              </a:spcBef>
+              <a:buFont typeface="Arial" pitchFamily="34" charset="0"/>
+              <a:buChar char="•"/>
+              <a:defRPr sz="2000" kern="1200">
+                <a:solidFill>
+                  <a:schemeClr val="tx1"/>
+                </a:solidFill>
+                <a:latin typeface="+mn-lt"/>
+                <a:ea typeface="+mn-ea"/>
+                <a:cs typeface="+mn-cs"/>
+              </a:defRPr>
+            </a:lvl9pPr>
+          </a:lstStyle>
+          <a:p>
+            <a:pPr marL="2645" defTabSz="761566">
+              <a:lnSpc>
+                <a:spcPct val="200000"/>
+              </a:lnSpc>
+              <a:spcBef>
+                <a:spcPts val="0"/>
+              </a:spcBef>
+              <a:spcAft>
+                <a:spcPts val="750"/>
+              </a:spcAft>
+            </a:pPr>
+            <a:r>
+              <a:rPr lang="en-GB" sz="3599" spc="-83" dirty="0">
+                <a:latin typeface="Segoe UI Light" pitchFamily="34" charset="0"/>
+              </a:rPr>
+              <a:t>Executes the plan that you got when you ran “terraform plan”</a:t>
+            </a:r>
+          </a:p>
+          <a:p>
+            <a:pPr marL="2645" defTabSz="761566">
+              <a:lnSpc>
+                <a:spcPct val="200000"/>
+              </a:lnSpc>
+              <a:spcBef>
+                <a:spcPts val="0"/>
+              </a:spcBef>
+              <a:spcAft>
+                <a:spcPts val="750"/>
+              </a:spcAft>
+            </a:pPr>
+            <a:r>
+              <a:rPr lang="en-GB" sz="3599" spc="-83" dirty="0">
+                <a:latin typeface="Segoe UI Light" pitchFamily="34" charset="0"/>
+              </a:rPr>
+              <a:t>Applies the changes required to reach the desired state of the configuration.</a:t>
+            </a:r>
+          </a:p>
+          <a:p>
+            <a:pPr marL="2645" defTabSz="761566">
+              <a:lnSpc>
+                <a:spcPct val="200000"/>
+              </a:lnSpc>
+              <a:spcBef>
+                <a:spcPts val="0"/>
+              </a:spcBef>
+              <a:spcAft>
+                <a:spcPts val="750"/>
+              </a:spcAft>
+            </a:pPr>
+            <a:r>
+              <a:rPr lang="en-GB" sz="3599" spc="-83" dirty="0">
+                <a:latin typeface="Segoe UI Light" pitchFamily="34" charset="0"/>
+              </a:rPr>
+              <a:t>Accepts parameters if you want to override variables’ values</a:t>
+            </a:r>
+          </a:p>
+          <a:p>
+            <a:pPr marL="2645" defTabSz="761566">
+              <a:spcBef>
+                <a:spcPts val="0"/>
+              </a:spcBef>
+              <a:spcAft>
+                <a:spcPts val="750"/>
+              </a:spcAft>
+            </a:pPr>
+            <a:r>
+              <a:rPr lang="en-US" sz="3599" spc="-83" dirty="0">
+                <a:latin typeface="Segoe UI Light" pitchFamily="34" charset="0"/>
+              </a:rPr>
+              <a:t>Updates the tfstate file</a:t>
             </a:r>
           </a:p>
         </p:txBody>
@@ -25220,7 +25481,7 @@
     </p:spTree>
     <p:extLst>
       <p:ext uri="{BB962C8B-B14F-4D97-AF65-F5344CB8AC3E}">
-        <p14:creationId xmlns:p14="http://schemas.microsoft.com/office/powerpoint/2010/main" val="1050920251"/>
+        <p14:creationId xmlns:p14="http://schemas.microsoft.com/office/powerpoint/2010/main" val="182571054"/>
       </p:ext>
     </p:extLst>
   </p:cSld>
@@ -25342,7 +25603,7 @@
         </p:spPr>
         <p:txBody>
           <a:bodyPr>
-            <a:normAutofit fontScale="77500" lnSpcReduction="20000"/>
+            <a:normAutofit fontScale="85000" lnSpcReduction="20000"/>
           </a:bodyPr>
           <a:lstStyle>
             <a:lvl1pPr marL="460375" indent="-460375" algn="l" defTabSz="914363" rtl="0" eaLnBrk="1" latinLnBrk="0" hangingPunct="1">
@@ -25666,25 +25927,6 @@
                 <a:latin typeface="Segoe UI Light" pitchFamily="34" charset="0"/>
               </a:rPr>
               <a:t>Azure DevOps integration</a:t>
-            </a:r>
-          </a:p>
-          <a:p>
-            <a:pPr marL="2645" defTabSz="761566">
-              <a:lnSpc>
-                <a:spcPct val="120000"/>
-              </a:lnSpc>
-              <a:spcBef>
-                <a:spcPts val="0"/>
-              </a:spcBef>
-              <a:spcAft>
-                <a:spcPts val="750"/>
-              </a:spcAft>
-            </a:pPr>
-            <a:r>
-              <a:rPr lang="en-US" sz="3599" spc="-83" dirty="0">
-                <a:latin typeface="Segoe UI Light" pitchFamily="34" charset="0"/>
-              </a:rPr>
-              <a:t>WooliesX practices</a:t>
             </a:r>
           </a:p>
           <a:p>
@@ -25760,7 +26002,7 @@
         </p:nvSpPr>
         <p:spPr>
           <a:xfrm>
-            <a:off x="519112" y="402776"/>
+            <a:off x="519905" y="2869081"/>
             <a:ext cx="11149013" cy="747897"/>
           </a:xfrm>
           <a:prstGeom prst="rect">
@@ -25797,271 +26039,14 @@
             </a:lvl1pPr>
           </a:lstStyle>
           <a:p>
+            <a:pPr algn="ctr"/>
             <a:r>
               <a:rPr lang="en-US" dirty="0">
                 <a:solidFill>
                   <a:schemeClr val="bg1"/>
                 </a:solidFill>
               </a:rPr>
-              <a:t>Modules</a:t>
-            </a:r>
-          </a:p>
-        </p:txBody>
-      </p:sp>
-      <p:sp>
-        <p:nvSpPr>
-          <p:cNvPr id="10" name="Content Placeholder 4">
-            <a:extLst>
-              <a:ext uri="{FF2B5EF4-FFF2-40B4-BE49-F238E27FC236}">
-                <a16:creationId xmlns:a16="http://schemas.microsoft.com/office/drawing/2014/main" id="{99F14555-085F-43D0-8F62-1AB6EC74350D}"/>
-              </a:ext>
-            </a:extLst>
-          </p:cNvPr>
-          <p:cNvSpPr txBox="1">
-            <a:spLocks/>
-          </p:cNvSpPr>
-          <p:nvPr/>
-        </p:nvSpPr>
-        <p:spPr>
-          <a:xfrm>
-            <a:off x="519112" y="1472123"/>
-            <a:ext cx="11342330" cy="5186254"/>
-          </a:xfrm>
-          <a:prstGeom prst="rect">
-            <a:avLst/>
-          </a:prstGeom>
-        </p:spPr>
-        <p:txBody>
-          <a:bodyPr>
-            <a:normAutofit/>
-          </a:bodyPr>
-          <a:lstStyle>
-            <a:lvl1pPr marL="460375" indent="-460375" algn="l" defTabSz="914363" rtl="0" eaLnBrk="1" latinLnBrk="0" hangingPunct="1">
-              <a:lnSpc>
-                <a:spcPct val="90000"/>
-              </a:lnSpc>
-              <a:spcBef>
-                <a:spcPct val="20000"/>
-              </a:spcBef>
-              <a:buClr>
-                <a:srgbClr val="92D050"/>
-              </a:buClr>
-              <a:buSzPct val="120000"/>
-              <a:buFont typeface="Arial" pitchFamily="34" charset="0"/>
-              <a:buChar char="•"/>
-              <a:defRPr sz="4400" kern="1200">
-                <a:solidFill>
-                  <a:schemeClr val="bg1"/>
-                </a:solidFill>
-                <a:latin typeface="+mn-lt"/>
-                <a:ea typeface="+mn-ea"/>
-                <a:cs typeface="+mn-cs"/>
-              </a:defRPr>
-            </a:lvl1pPr>
-            <a:lvl2pPr marL="855663" indent="-395288" algn="l" defTabSz="914363" rtl="0" eaLnBrk="1" latinLnBrk="0" hangingPunct="1">
-              <a:lnSpc>
-                <a:spcPct val="90000"/>
-              </a:lnSpc>
-              <a:spcBef>
-                <a:spcPct val="20000"/>
-              </a:spcBef>
-              <a:buClr>
-                <a:srgbClr val="92D050"/>
-              </a:buClr>
-              <a:buSzPct val="120000"/>
-              <a:buFont typeface="Arial" pitchFamily="34" charset="0"/>
-              <a:buChar char="•"/>
-              <a:defRPr sz="4000" kern="1200">
-                <a:solidFill>
-                  <a:schemeClr val="bg1"/>
-                </a:solidFill>
-                <a:latin typeface="+mn-lt"/>
-                <a:ea typeface="+mn-ea"/>
-                <a:cs typeface="+mn-cs"/>
-              </a:defRPr>
-            </a:lvl2pPr>
-            <a:lvl3pPr marL="1258888" indent="-403225" algn="l" defTabSz="914363" rtl="0" eaLnBrk="1" latinLnBrk="0" hangingPunct="1">
-              <a:lnSpc>
-                <a:spcPct val="90000"/>
-              </a:lnSpc>
-              <a:spcBef>
-                <a:spcPct val="20000"/>
-              </a:spcBef>
-              <a:buClr>
-                <a:srgbClr val="92D050"/>
-              </a:buClr>
-              <a:buSzPct val="120000"/>
-              <a:buFont typeface="Arial" pitchFamily="34" charset="0"/>
-              <a:buChar char="•"/>
-              <a:defRPr sz="3600" kern="1200">
-                <a:solidFill>
-                  <a:schemeClr val="bg1"/>
-                </a:solidFill>
-                <a:latin typeface="+mn-lt"/>
-                <a:ea typeface="+mn-ea"/>
-                <a:cs typeface="+mn-cs"/>
-              </a:defRPr>
-            </a:lvl3pPr>
-            <a:lvl4pPr marL="1604963" indent="-346075" algn="l" defTabSz="914363" rtl="0" eaLnBrk="1" latinLnBrk="0" hangingPunct="1">
-              <a:lnSpc>
-                <a:spcPct val="90000"/>
-              </a:lnSpc>
-              <a:spcBef>
-                <a:spcPct val="20000"/>
-              </a:spcBef>
-              <a:buClr>
-                <a:srgbClr val="92D050"/>
-              </a:buClr>
-              <a:buSzPct val="120000"/>
-              <a:buFont typeface="Arial" pitchFamily="34" charset="0"/>
-              <a:buChar char="•"/>
-              <a:defRPr sz="3200" kern="1200">
-                <a:solidFill>
-                  <a:schemeClr val="bg1"/>
-                </a:solidFill>
-                <a:latin typeface="+mn-lt"/>
-                <a:ea typeface="+mn-ea"/>
-                <a:cs typeface="+mn-cs"/>
-              </a:defRPr>
-            </a:lvl4pPr>
-            <a:lvl5pPr marL="1941513" indent="-336550" algn="l" defTabSz="914363" rtl="0" eaLnBrk="1" latinLnBrk="0" hangingPunct="1">
-              <a:lnSpc>
-                <a:spcPct val="90000"/>
-              </a:lnSpc>
-              <a:spcBef>
-                <a:spcPct val="20000"/>
-              </a:spcBef>
-              <a:buClr>
-                <a:srgbClr val="92D050"/>
-              </a:buClr>
-              <a:buSzPct val="120000"/>
-              <a:buFont typeface="Arial" pitchFamily="34" charset="0"/>
-              <a:buChar char="•"/>
-              <a:defRPr sz="3200" kern="1200">
-                <a:solidFill>
-                  <a:schemeClr val="bg1"/>
-                </a:solidFill>
-                <a:latin typeface="+mn-lt"/>
-                <a:ea typeface="+mn-ea"/>
-                <a:cs typeface="+mn-cs"/>
-              </a:defRPr>
-            </a:lvl5pPr>
-            <a:lvl6pPr marL="2514499" indent="-228591" algn="l" defTabSz="914363" rtl="0" eaLnBrk="1" latinLnBrk="0" hangingPunct="1">
-              <a:spcBef>
-                <a:spcPct val="20000"/>
-              </a:spcBef>
-              <a:buFont typeface="Arial" pitchFamily="34" charset="0"/>
-              <a:buChar char="•"/>
-              <a:defRPr sz="2000" kern="1200">
-                <a:solidFill>
-                  <a:schemeClr val="tx1"/>
-                </a:solidFill>
-                <a:latin typeface="+mn-lt"/>
-                <a:ea typeface="+mn-ea"/>
-                <a:cs typeface="+mn-cs"/>
-              </a:defRPr>
-            </a:lvl6pPr>
-            <a:lvl7pPr marL="2971681" indent="-228591" algn="l" defTabSz="914363" rtl="0" eaLnBrk="1" latinLnBrk="0" hangingPunct="1">
-              <a:spcBef>
-                <a:spcPct val="20000"/>
-              </a:spcBef>
-              <a:buFont typeface="Arial" pitchFamily="34" charset="0"/>
-              <a:buChar char="•"/>
-              <a:defRPr sz="2000" kern="1200">
-                <a:solidFill>
-                  <a:schemeClr val="tx1"/>
-                </a:solidFill>
-                <a:latin typeface="+mn-lt"/>
-                <a:ea typeface="+mn-ea"/>
-                <a:cs typeface="+mn-cs"/>
-              </a:defRPr>
-            </a:lvl7pPr>
-            <a:lvl8pPr marL="3428863" indent="-228591" algn="l" defTabSz="914363" rtl="0" eaLnBrk="1" latinLnBrk="0" hangingPunct="1">
-              <a:spcBef>
-                <a:spcPct val="20000"/>
-              </a:spcBef>
-              <a:buFont typeface="Arial" pitchFamily="34" charset="0"/>
-              <a:buChar char="•"/>
-              <a:defRPr sz="2000" kern="1200">
-                <a:solidFill>
-                  <a:schemeClr val="tx1"/>
-                </a:solidFill>
-                <a:latin typeface="+mn-lt"/>
-                <a:ea typeface="+mn-ea"/>
-                <a:cs typeface="+mn-cs"/>
-              </a:defRPr>
-            </a:lvl8pPr>
-            <a:lvl9pPr marL="3886045" indent="-228591" algn="l" defTabSz="914363" rtl="0" eaLnBrk="1" latinLnBrk="0" hangingPunct="1">
-              <a:spcBef>
-                <a:spcPct val="20000"/>
-              </a:spcBef>
-              <a:buFont typeface="Arial" pitchFamily="34" charset="0"/>
-              <a:buChar char="•"/>
-              <a:defRPr sz="2000" kern="1200">
-                <a:solidFill>
-                  <a:schemeClr val="tx1"/>
-                </a:solidFill>
-                <a:latin typeface="+mn-lt"/>
-                <a:ea typeface="+mn-ea"/>
-                <a:cs typeface="+mn-cs"/>
-              </a:defRPr>
-            </a:lvl9pPr>
-          </a:lstStyle>
-          <a:p>
-            <a:pPr marL="2645" defTabSz="761566">
-              <a:lnSpc>
-                <a:spcPct val="150000"/>
-              </a:lnSpc>
-              <a:spcBef>
-                <a:spcPts val="0"/>
-              </a:spcBef>
-              <a:spcAft>
-                <a:spcPts val="750"/>
-              </a:spcAft>
-            </a:pPr>
-            <a:r>
-              <a:rPr lang="en-GB" sz="3599" spc="-83" dirty="0">
-                <a:latin typeface="Segoe UI Light" pitchFamily="34" charset="0"/>
-              </a:rPr>
-              <a:t>Logical separation of your infrastructure</a:t>
-            </a:r>
-          </a:p>
-          <a:p>
-            <a:pPr marL="2645" defTabSz="761566">
-              <a:lnSpc>
-                <a:spcPct val="150000"/>
-              </a:lnSpc>
-              <a:spcBef>
-                <a:spcPts val="0"/>
-              </a:spcBef>
-              <a:spcAft>
-                <a:spcPts val="750"/>
-              </a:spcAft>
-            </a:pPr>
-            <a:r>
-              <a:rPr lang="en-GB" sz="3599" spc="-83" dirty="0">
-                <a:latin typeface="Segoe UI Light" pitchFamily="34" charset="0"/>
-              </a:rPr>
-              <a:t>Consider separating your infrastructure if it makes sense</a:t>
-            </a:r>
-          </a:p>
-          <a:p>
-            <a:pPr marL="2645" defTabSz="761566">
-              <a:lnSpc>
-                <a:spcPct val="150000"/>
-              </a:lnSpc>
-              <a:spcBef>
-                <a:spcPts val="0"/>
-              </a:spcBef>
-              <a:spcAft>
-                <a:spcPts val="750"/>
-              </a:spcAft>
-            </a:pPr>
-            <a:r>
-              <a:rPr lang="en-US" sz="3599" spc="-83" dirty="0">
-                <a:latin typeface="Segoe UI Light" pitchFamily="34" charset="0"/>
-              </a:rPr>
-              <a:t>Not mandatory</a:t>
+              <a:t>Complete Demo</a:t>
             </a:r>
           </a:p>
         </p:txBody>
@@ -26069,7 +26054,7 @@
     </p:spTree>
     <p:extLst>
       <p:ext uri="{BB962C8B-B14F-4D97-AF65-F5344CB8AC3E}">
-        <p14:creationId xmlns:p14="http://schemas.microsoft.com/office/powerpoint/2010/main" val="1655470153"/>
+        <p14:creationId xmlns:p14="http://schemas.microsoft.com/office/powerpoint/2010/main" val="3763481057"/>
       </p:ext>
     </p:extLst>
   </p:cSld>
@@ -26092,6 +26077,107 @@
 </file>
 
 <file path=ppt/slides/slide21.xml><?xml version="1.0" encoding="utf-8"?>
+<p:sld xmlns:a="http://schemas.openxmlformats.org/drawingml/2006/main" xmlns:r="http://schemas.openxmlformats.org/officeDocument/2006/relationships" xmlns:p="http://schemas.openxmlformats.org/presentationml/2006/main">
+  <p:cSld>
+    <p:spTree>
+      <p:nvGrpSpPr>
+        <p:cNvPr id="1" name=""/>
+        <p:cNvGrpSpPr/>
+        <p:nvPr/>
+      </p:nvGrpSpPr>
+      <p:grpSpPr>
+        <a:xfrm>
+          <a:off x="0" y="0"/>
+          <a:ext cx="0" cy="0"/>
+          <a:chOff x="0" y="0"/>
+          <a:chExt cx="0" cy="0"/>
+        </a:xfrm>
+      </p:grpSpPr>
+      <p:sp>
+        <p:nvSpPr>
+          <p:cNvPr id="11" name="Title 3"/>
+          <p:cNvSpPr txBox="1">
+            <a:spLocks/>
+          </p:cNvSpPr>
+          <p:nvPr/>
+        </p:nvSpPr>
+        <p:spPr>
+          <a:xfrm>
+            <a:off x="519905" y="2869081"/>
+            <a:ext cx="11149013" cy="747897"/>
+          </a:xfrm>
+          <a:prstGeom prst="rect">
+            <a:avLst/>
+          </a:prstGeom>
+        </p:spPr>
+        <p:txBody>
+          <a:bodyPr vert="horz" wrap="square" lIns="0" tIns="0" rIns="0" bIns="0" rtlCol="0" anchor="ctr" anchorCtr="0">
+            <a:noAutofit/>
+          </a:bodyPr>
+          <a:lstStyle>
+            <a:lvl1pPr algn="l" defTabSz="914363" rtl="0" eaLnBrk="1" latinLnBrk="0" hangingPunct="1">
+              <a:lnSpc>
+                <a:spcPct val="90000"/>
+              </a:lnSpc>
+              <a:spcBef>
+                <a:spcPct val="0"/>
+              </a:spcBef>
+              <a:buNone/>
+              <a:defRPr lang="en-US" sz="6600" b="0" kern="1200" cap="none" spc="-100" baseline="0">
+                <a:ln w="3175">
+                  <a:noFill/>
+                </a:ln>
+                <a:solidFill>
+                  <a:schemeClr val="bg1">
+                    <a:alpha val="99000"/>
+                  </a:schemeClr>
+                </a:solidFill>
+                <a:effectLst/>
+                <a:latin typeface="Segoe UI Light" pitchFamily="34" charset="0"/>
+                <a:ea typeface="+mn-ea"/>
+                <a:cs typeface="Arial" charset="0"/>
+              </a:defRPr>
+            </a:lvl1pPr>
+          </a:lstStyle>
+          <a:p>
+            <a:pPr algn="ctr"/>
+            <a:r>
+              <a:rPr lang="en-US" dirty="0">
+                <a:solidFill>
+                  <a:schemeClr val="bg1"/>
+                </a:solidFill>
+              </a:rPr>
+              <a:t>Modules</a:t>
+            </a:r>
+          </a:p>
+        </p:txBody>
+      </p:sp>
+    </p:spTree>
+    <p:extLst>
+      <p:ext uri="{BB962C8B-B14F-4D97-AF65-F5344CB8AC3E}">
+        <p14:creationId xmlns:p14="http://schemas.microsoft.com/office/powerpoint/2010/main" val="1050920251"/>
+      </p:ext>
+    </p:extLst>
+  </p:cSld>
+  <p:clrMapOvr>
+    <a:masterClrMapping/>
+  </p:clrMapOvr>
+  <mc:AlternateContent xmlns:mc="http://schemas.openxmlformats.org/markup-compatibility/2006" xmlns:p14="http://schemas.microsoft.com/office/powerpoint/2010/main">
+    <mc:Choice Requires="p14">
+      <p:transition spd="med" p14:dur="700">
+        <p:fade/>
+      </p:transition>
+    </mc:Choice>
+    <mc:Fallback xmlns="">
+      <p:transition spd="med">
+        <p:fade/>
+      </p:transition>
+    </mc:Fallback>
+  </mc:AlternateContent>
+</p:sld>
+</file>
+
+<file path=ppt/slides/slide22.xml><?xml version="1.0" encoding="utf-8"?>
 <p:sld xmlns:a="http://schemas.openxmlformats.org/drawingml/2006/main" xmlns:r="http://schemas.openxmlformats.org/officeDocument/2006/relationships" xmlns:p="http://schemas.openxmlformats.org/presentationml/2006/main">
   <p:cSld>
     <p:spTree>
@@ -26161,7 +26247,7 @@
                   <a:schemeClr val="bg1"/>
                 </a:solidFill>
               </a:rPr>
-              <a:t>WooliesX practices</a:t>
+              <a:t>Modules</a:t>
             </a:r>
           </a:p>
         </p:txBody>
@@ -26381,7 +26467,7 @@
               <a:rPr lang="en-GB" sz="3599" spc="-83" dirty="0">
                 <a:latin typeface="Segoe UI Light" pitchFamily="34" charset="0"/>
               </a:rPr>
-              <a:t>Don’t run locally from your machine. Must be through build pipelines.</a:t>
+              <a:t>Logical separation of your infrastructure</a:t>
             </a:r>
           </a:p>
           <a:p>
@@ -26400,7 +26486,26 @@
               <a:rPr lang="en-GB" sz="3599" spc="-83" dirty="0">
                 <a:latin typeface="Segoe UI Light" pitchFamily="34" charset="0"/>
               </a:rPr>
-              <a:t>All state files are saved in a single storage account</a:t>
+              <a:t>Consider separating your infrastructure if it makes sense</a:t>
+            </a:r>
+          </a:p>
+          <a:p>
+            <a:pPr marL="2645" defTabSz="761566">
+              <a:lnSpc>
+                <a:spcPct val="150000"/>
+              </a:lnSpc>
+              <a:spcBef>
+                <a:spcPts val="0"/>
+              </a:spcBef>
+              <a:spcAft>
+                <a:spcPts val="750"/>
+              </a:spcAft>
+            </a:pPr>
+            <a:r>
+              <a:rPr lang="en-US" sz="3599" spc="-83" dirty="0">
+                <a:latin typeface="Segoe UI Light" pitchFamily="34" charset="0"/>
+              </a:rPr>
+              <a:t>Not mandatory</a:t>
             </a:r>
           </a:p>
         </p:txBody>
@@ -26408,7 +26513,447 @@
     </p:spTree>
     <p:extLst>
       <p:ext uri="{BB962C8B-B14F-4D97-AF65-F5344CB8AC3E}">
-        <p14:creationId xmlns:p14="http://schemas.microsoft.com/office/powerpoint/2010/main" val="333911132"/>
+        <p14:creationId xmlns:p14="http://schemas.microsoft.com/office/powerpoint/2010/main" val="1655470153"/>
+      </p:ext>
+    </p:extLst>
+  </p:cSld>
+  <p:clrMapOvr>
+    <a:masterClrMapping/>
+  </p:clrMapOvr>
+  <mc:AlternateContent xmlns:mc="http://schemas.openxmlformats.org/markup-compatibility/2006" xmlns:p14="http://schemas.microsoft.com/office/powerpoint/2010/main">
+    <mc:Choice Requires="p14">
+      <p:transition spd="med" p14:dur="700">
+        <p:fade/>
+      </p:transition>
+    </mc:Choice>
+    <mc:Fallback xmlns="">
+      <p:transition spd="med">
+        <p:fade/>
+      </p:transition>
+    </mc:Fallback>
+  </mc:AlternateContent>
+</p:sld>
+</file>
+
+<file path=ppt/slides/slide23.xml><?xml version="1.0" encoding="utf-8"?>
+<p:sld xmlns:a="http://schemas.openxmlformats.org/drawingml/2006/main" xmlns:r="http://schemas.openxmlformats.org/officeDocument/2006/relationships" xmlns:p="http://schemas.openxmlformats.org/presentationml/2006/main">
+  <p:cSld>
+    <p:spTree>
+      <p:nvGrpSpPr>
+        <p:cNvPr id="1" name=""/>
+        <p:cNvGrpSpPr/>
+        <p:nvPr/>
+      </p:nvGrpSpPr>
+      <p:grpSpPr>
+        <a:xfrm>
+          <a:off x="0" y="0"/>
+          <a:ext cx="0" cy="0"/>
+          <a:chOff x="0" y="0"/>
+          <a:chExt cx="0" cy="0"/>
+        </a:xfrm>
+      </p:grpSpPr>
+      <p:sp>
+        <p:nvSpPr>
+          <p:cNvPr id="11" name="Title 3"/>
+          <p:cNvSpPr txBox="1">
+            <a:spLocks/>
+          </p:cNvSpPr>
+          <p:nvPr/>
+        </p:nvSpPr>
+        <p:spPr>
+          <a:xfrm>
+            <a:off x="519112" y="402776"/>
+            <a:ext cx="11149013" cy="747897"/>
+          </a:xfrm>
+          <a:prstGeom prst="rect">
+            <a:avLst/>
+          </a:prstGeom>
+        </p:spPr>
+        <p:txBody>
+          <a:bodyPr vert="horz" wrap="square" lIns="0" tIns="0" rIns="0" bIns="0" rtlCol="0" anchor="ctr" anchorCtr="0">
+            <a:noAutofit/>
+          </a:bodyPr>
+          <a:lstStyle>
+            <a:lvl1pPr algn="l" defTabSz="914363" rtl="0" eaLnBrk="1" latinLnBrk="0" hangingPunct="1">
+              <a:lnSpc>
+                <a:spcPct val="90000"/>
+              </a:lnSpc>
+              <a:spcBef>
+                <a:spcPct val="0"/>
+              </a:spcBef>
+              <a:buNone/>
+              <a:defRPr lang="en-US" sz="6600" b="0" kern="1200" cap="none" spc="-100" baseline="0">
+                <a:ln w="3175">
+                  <a:noFill/>
+                </a:ln>
+                <a:solidFill>
+                  <a:schemeClr val="bg1">
+                    <a:alpha val="99000"/>
+                  </a:schemeClr>
+                </a:solidFill>
+                <a:effectLst/>
+                <a:latin typeface="Segoe UI Light" pitchFamily="34" charset="0"/>
+                <a:ea typeface="+mn-ea"/>
+                <a:cs typeface="Arial" charset="0"/>
+              </a:defRPr>
+            </a:lvl1pPr>
+          </a:lstStyle>
+          <a:p>
+            <a:r>
+              <a:rPr lang="en-US" dirty="0">
+                <a:solidFill>
+                  <a:schemeClr val="bg1"/>
+                </a:solidFill>
+              </a:rPr>
+              <a:t>Azure DevOps integration</a:t>
+            </a:r>
+          </a:p>
+        </p:txBody>
+      </p:sp>
+      <p:sp>
+        <p:nvSpPr>
+          <p:cNvPr id="10" name="Content Placeholder 4">
+            <a:extLst>
+              <a:ext uri="{FF2B5EF4-FFF2-40B4-BE49-F238E27FC236}">
+                <a16:creationId xmlns:a16="http://schemas.microsoft.com/office/drawing/2014/main" id="{99F14555-085F-43D0-8F62-1AB6EC74350D}"/>
+              </a:ext>
+            </a:extLst>
+          </p:cNvPr>
+          <p:cNvSpPr txBox="1">
+            <a:spLocks/>
+          </p:cNvSpPr>
+          <p:nvPr/>
+        </p:nvSpPr>
+        <p:spPr>
+          <a:xfrm>
+            <a:off x="519112" y="1472123"/>
+            <a:ext cx="11342330" cy="5186254"/>
+          </a:xfrm>
+          <a:prstGeom prst="rect">
+            <a:avLst/>
+          </a:prstGeom>
+        </p:spPr>
+        <p:txBody>
+          <a:bodyPr>
+            <a:normAutofit/>
+          </a:bodyPr>
+          <a:lstStyle>
+            <a:lvl1pPr marL="460375" indent="-460375" algn="l" defTabSz="914363" rtl="0" eaLnBrk="1" latinLnBrk="0" hangingPunct="1">
+              <a:lnSpc>
+                <a:spcPct val="90000"/>
+              </a:lnSpc>
+              <a:spcBef>
+                <a:spcPct val="20000"/>
+              </a:spcBef>
+              <a:buClr>
+                <a:srgbClr val="92D050"/>
+              </a:buClr>
+              <a:buSzPct val="120000"/>
+              <a:buFont typeface="Arial" pitchFamily="34" charset="0"/>
+              <a:buChar char="•"/>
+              <a:defRPr sz="4400" kern="1200">
+                <a:solidFill>
+                  <a:schemeClr val="bg1"/>
+                </a:solidFill>
+                <a:latin typeface="+mn-lt"/>
+                <a:ea typeface="+mn-ea"/>
+                <a:cs typeface="+mn-cs"/>
+              </a:defRPr>
+            </a:lvl1pPr>
+            <a:lvl2pPr marL="855663" indent="-395288" algn="l" defTabSz="914363" rtl="0" eaLnBrk="1" latinLnBrk="0" hangingPunct="1">
+              <a:lnSpc>
+                <a:spcPct val="90000"/>
+              </a:lnSpc>
+              <a:spcBef>
+                <a:spcPct val="20000"/>
+              </a:spcBef>
+              <a:buClr>
+                <a:srgbClr val="92D050"/>
+              </a:buClr>
+              <a:buSzPct val="120000"/>
+              <a:buFont typeface="Arial" pitchFamily="34" charset="0"/>
+              <a:buChar char="•"/>
+              <a:defRPr sz="4000" kern="1200">
+                <a:solidFill>
+                  <a:schemeClr val="bg1"/>
+                </a:solidFill>
+                <a:latin typeface="+mn-lt"/>
+                <a:ea typeface="+mn-ea"/>
+                <a:cs typeface="+mn-cs"/>
+              </a:defRPr>
+            </a:lvl2pPr>
+            <a:lvl3pPr marL="1258888" indent="-403225" algn="l" defTabSz="914363" rtl="0" eaLnBrk="1" latinLnBrk="0" hangingPunct="1">
+              <a:lnSpc>
+                <a:spcPct val="90000"/>
+              </a:lnSpc>
+              <a:spcBef>
+                <a:spcPct val="20000"/>
+              </a:spcBef>
+              <a:buClr>
+                <a:srgbClr val="92D050"/>
+              </a:buClr>
+              <a:buSzPct val="120000"/>
+              <a:buFont typeface="Arial" pitchFamily="34" charset="0"/>
+              <a:buChar char="•"/>
+              <a:defRPr sz="3600" kern="1200">
+                <a:solidFill>
+                  <a:schemeClr val="bg1"/>
+                </a:solidFill>
+                <a:latin typeface="+mn-lt"/>
+                <a:ea typeface="+mn-ea"/>
+                <a:cs typeface="+mn-cs"/>
+              </a:defRPr>
+            </a:lvl3pPr>
+            <a:lvl4pPr marL="1604963" indent="-346075" algn="l" defTabSz="914363" rtl="0" eaLnBrk="1" latinLnBrk="0" hangingPunct="1">
+              <a:lnSpc>
+                <a:spcPct val="90000"/>
+              </a:lnSpc>
+              <a:spcBef>
+                <a:spcPct val="20000"/>
+              </a:spcBef>
+              <a:buClr>
+                <a:srgbClr val="92D050"/>
+              </a:buClr>
+              <a:buSzPct val="120000"/>
+              <a:buFont typeface="Arial" pitchFamily="34" charset="0"/>
+              <a:buChar char="•"/>
+              <a:defRPr sz="3200" kern="1200">
+                <a:solidFill>
+                  <a:schemeClr val="bg1"/>
+                </a:solidFill>
+                <a:latin typeface="+mn-lt"/>
+                <a:ea typeface="+mn-ea"/>
+                <a:cs typeface="+mn-cs"/>
+              </a:defRPr>
+            </a:lvl4pPr>
+            <a:lvl5pPr marL="1941513" indent="-336550" algn="l" defTabSz="914363" rtl="0" eaLnBrk="1" latinLnBrk="0" hangingPunct="1">
+              <a:lnSpc>
+                <a:spcPct val="90000"/>
+              </a:lnSpc>
+              <a:spcBef>
+                <a:spcPct val="20000"/>
+              </a:spcBef>
+              <a:buClr>
+                <a:srgbClr val="92D050"/>
+              </a:buClr>
+              <a:buSzPct val="120000"/>
+              <a:buFont typeface="Arial" pitchFamily="34" charset="0"/>
+              <a:buChar char="•"/>
+              <a:defRPr sz="3200" kern="1200">
+                <a:solidFill>
+                  <a:schemeClr val="bg1"/>
+                </a:solidFill>
+                <a:latin typeface="+mn-lt"/>
+                <a:ea typeface="+mn-ea"/>
+                <a:cs typeface="+mn-cs"/>
+              </a:defRPr>
+            </a:lvl5pPr>
+            <a:lvl6pPr marL="2514499" indent="-228591" algn="l" defTabSz="914363" rtl="0" eaLnBrk="1" latinLnBrk="0" hangingPunct="1">
+              <a:spcBef>
+                <a:spcPct val="20000"/>
+              </a:spcBef>
+              <a:buFont typeface="Arial" pitchFamily="34" charset="0"/>
+              <a:buChar char="•"/>
+              <a:defRPr sz="2000" kern="1200">
+                <a:solidFill>
+                  <a:schemeClr val="tx1"/>
+                </a:solidFill>
+                <a:latin typeface="+mn-lt"/>
+                <a:ea typeface="+mn-ea"/>
+                <a:cs typeface="+mn-cs"/>
+              </a:defRPr>
+            </a:lvl6pPr>
+            <a:lvl7pPr marL="2971681" indent="-228591" algn="l" defTabSz="914363" rtl="0" eaLnBrk="1" latinLnBrk="0" hangingPunct="1">
+              <a:spcBef>
+                <a:spcPct val="20000"/>
+              </a:spcBef>
+              <a:buFont typeface="Arial" pitchFamily="34" charset="0"/>
+              <a:buChar char="•"/>
+              <a:defRPr sz="2000" kern="1200">
+                <a:solidFill>
+                  <a:schemeClr val="tx1"/>
+                </a:solidFill>
+                <a:latin typeface="+mn-lt"/>
+                <a:ea typeface="+mn-ea"/>
+                <a:cs typeface="+mn-cs"/>
+              </a:defRPr>
+            </a:lvl7pPr>
+            <a:lvl8pPr marL="3428863" indent="-228591" algn="l" defTabSz="914363" rtl="0" eaLnBrk="1" latinLnBrk="0" hangingPunct="1">
+              <a:spcBef>
+                <a:spcPct val="20000"/>
+              </a:spcBef>
+              <a:buFont typeface="Arial" pitchFamily="34" charset="0"/>
+              <a:buChar char="•"/>
+              <a:defRPr sz="2000" kern="1200">
+                <a:solidFill>
+                  <a:schemeClr val="tx1"/>
+                </a:solidFill>
+                <a:latin typeface="+mn-lt"/>
+                <a:ea typeface="+mn-ea"/>
+                <a:cs typeface="+mn-cs"/>
+              </a:defRPr>
+            </a:lvl8pPr>
+            <a:lvl9pPr marL="3886045" indent="-228591" algn="l" defTabSz="914363" rtl="0" eaLnBrk="1" latinLnBrk="0" hangingPunct="1">
+              <a:spcBef>
+                <a:spcPct val="20000"/>
+              </a:spcBef>
+              <a:buFont typeface="Arial" pitchFamily="34" charset="0"/>
+              <a:buChar char="•"/>
+              <a:defRPr sz="2000" kern="1200">
+                <a:solidFill>
+                  <a:schemeClr val="tx1"/>
+                </a:solidFill>
+                <a:latin typeface="+mn-lt"/>
+                <a:ea typeface="+mn-ea"/>
+                <a:cs typeface="+mn-cs"/>
+              </a:defRPr>
+            </a:lvl9pPr>
+          </a:lstStyle>
+          <a:p>
+            <a:pPr marL="2645" defTabSz="761566">
+              <a:lnSpc>
+                <a:spcPct val="150000"/>
+              </a:lnSpc>
+              <a:spcBef>
+                <a:spcPts val="0"/>
+              </a:spcBef>
+              <a:spcAft>
+                <a:spcPts val="750"/>
+              </a:spcAft>
+            </a:pPr>
+            <a:r>
+              <a:rPr lang="en-GB" sz="3599" spc="-83" dirty="0">
+                <a:latin typeface="Segoe UI Light" pitchFamily="34" charset="0"/>
+              </a:rPr>
+              <a:t>Install tools from the marketplace.</a:t>
+            </a:r>
+          </a:p>
+          <a:p>
+            <a:pPr marL="2645" defTabSz="761566">
+              <a:lnSpc>
+                <a:spcPct val="150000"/>
+              </a:lnSpc>
+              <a:spcBef>
+                <a:spcPts val="0"/>
+              </a:spcBef>
+              <a:spcAft>
+                <a:spcPts val="750"/>
+              </a:spcAft>
+            </a:pPr>
+            <a:r>
+              <a:rPr lang="en-GB" sz="3599" spc="-83" dirty="0">
+                <a:latin typeface="Segoe UI Light" pitchFamily="34" charset="0"/>
+              </a:rPr>
+              <a:t>You can always have a plan, confirmation then Apply.</a:t>
+            </a:r>
+          </a:p>
+        </p:txBody>
+      </p:sp>
+    </p:spTree>
+    <p:extLst>
+      <p:ext uri="{BB962C8B-B14F-4D97-AF65-F5344CB8AC3E}">
+        <p14:creationId xmlns:p14="http://schemas.microsoft.com/office/powerpoint/2010/main" val="3306528596"/>
+      </p:ext>
+    </p:extLst>
+  </p:cSld>
+  <p:clrMapOvr>
+    <a:masterClrMapping/>
+  </p:clrMapOvr>
+  <mc:AlternateContent xmlns:mc="http://schemas.openxmlformats.org/markup-compatibility/2006" xmlns:p14="http://schemas.microsoft.com/office/powerpoint/2010/main">
+    <mc:Choice Requires="p14">
+      <p:transition spd="med" p14:dur="700">
+        <p:fade/>
+      </p:transition>
+    </mc:Choice>
+    <mc:Fallback xmlns="">
+      <p:transition spd="med">
+        <p:fade/>
+      </p:transition>
+    </mc:Fallback>
+  </mc:AlternateContent>
+</p:sld>
+</file>
+
+<file path=ppt/slides/slide24.xml><?xml version="1.0" encoding="utf-8"?>
+<p:sld xmlns:a="http://schemas.openxmlformats.org/drawingml/2006/main" xmlns:r="http://schemas.openxmlformats.org/officeDocument/2006/relationships" xmlns:p="http://schemas.openxmlformats.org/presentationml/2006/main">
+  <p:cSld>
+    <p:spTree>
+      <p:nvGrpSpPr>
+        <p:cNvPr id="1" name=""/>
+        <p:cNvGrpSpPr/>
+        <p:nvPr/>
+      </p:nvGrpSpPr>
+      <p:grpSpPr>
+        <a:xfrm>
+          <a:off x="0" y="0"/>
+          <a:ext cx="0" cy="0"/>
+          <a:chOff x="0" y="0"/>
+          <a:chExt cx="0" cy="0"/>
+        </a:xfrm>
+      </p:grpSpPr>
+      <p:sp>
+        <p:nvSpPr>
+          <p:cNvPr id="11" name="Title 3"/>
+          <p:cNvSpPr txBox="1">
+            <a:spLocks/>
+          </p:cNvSpPr>
+          <p:nvPr/>
+        </p:nvSpPr>
+        <p:spPr>
+          <a:xfrm>
+            <a:off x="519905" y="2869081"/>
+            <a:ext cx="11149013" cy="747897"/>
+          </a:xfrm>
+          <a:prstGeom prst="rect">
+            <a:avLst/>
+          </a:prstGeom>
+        </p:spPr>
+        <p:txBody>
+          <a:bodyPr vert="horz" wrap="square" lIns="0" tIns="0" rIns="0" bIns="0" rtlCol="0" anchor="ctr" anchorCtr="0">
+            <a:noAutofit/>
+          </a:bodyPr>
+          <a:lstStyle>
+            <a:lvl1pPr algn="l" defTabSz="914363" rtl="0" eaLnBrk="1" latinLnBrk="0" hangingPunct="1">
+              <a:lnSpc>
+                <a:spcPct val="90000"/>
+              </a:lnSpc>
+              <a:spcBef>
+                <a:spcPct val="0"/>
+              </a:spcBef>
+              <a:buNone/>
+              <a:defRPr lang="en-US" sz="6600" b="0" kern="1200" cap="none" spc="-100" baseline="0">
+                <a:ln w="3175">
+                  <a:noFill/>
+                </a:ln>
+                <a:solidFill>
+                  <a:schemeClr val="bg1">
+                    <a:alpha val="99000"/>
+                  </a:schemeClr>
+                </a:solidFill>
+                <a:effectLst/>
+                <a:latin typeface="Segoe UI Light" pitchFamily="34" charset="0"/>
+                <a:ea typeface="+mn-ea"/>
+                <a:cs typeface="Arial" charset="0"/>
+              </a:defRPr>
+            </a:lvl1pPr>
+          </a:lstStyle>
+          <a:p>
+            <a:pPr algn="ctr"/>
+            <a:r>
+              <a:rPr lang="en-US" dirty="0">
+                <a:solidFill>
+                  <a:schemeClr val="bg1"/>
+                </a:solidFill>
+              </a:rPr>
+              <a:t>Q&amp;A</a:t>
+            </a:r>
+          </a:p>
+        </p:txBody>
+      </p:sp>
+    </p:spTree>
+    <p:extLst>
+      <p:ext uri="{BB962C8B-B14F-4D97-AF65-F5344CB8AC3E}">
+        <p14:creationId xmlns:p14="http://schemas.microsoft.com/office/powerpoint/2010/main" val="2408516103"/>
       </p:ext>
     </p:extLst>
   </p:cSld>
